--- a/IntroToLinux_Day2.pptx
+++ b/IntroToLinux_Day2.pptx
@@ -11140,9 +11140,16 @@
             <p:ph idx="1"/>
           </p:nvPr>
         </p:nvSpPr>
-        <p:spPr/>
-        <p:txBody>
-          <a:bodyPr/>
+        <p:spPr>
+          <a:xfrm>
+            <a:off x="509925" y="1736903"/>
+            <a:ext cx="8946541" cy="4805082"/>
+          </a:xfrm>
+        </p:spPr>
+        <p:txBody>
+          <a:bodyPr>
+            <a:normAutofit/>
+          </a:bodyPr>
           <a:lstStyle/>
           <a:p>
             <a:r>
@@ -11176,6 +11183,190 @@
               <a:rPr lang="en-GB" dirty="0"/>
               <a:t> supports SFTP transfer as well (Slow)</a:t>
             </a:r>
+          </a:p>
+          <a:p>
+            <a:r>
+              <a:rPr lang="en-GB" dirty="0"/>
+              <a:t>Always add your private key first</a:t>
+            </a:r>
+          </a:p>
+          <a:p>
+            <a:pPr lvl="1"/>
+            <a:r>
+              <a:rPr lang="en-GB" dirty="0"/>
+              <a:t>Edit </a:t>
+            </a:r>
+            <a:r>
+              <a:rPr lang="en-GB" dirty="0">
+                <a:sym typeface="Wingdings" pitchFamily="2" charset="2"/>
+              </a:rPr>
+              <a:t> Setting  SFTP  Add Key file</a:t>
+            </a:r>
+          </a:p>
+          <a:p>
+            <a:pPr lvl="1"/>
+            <a:r>
+              <a:rPr lang="en-GB" dirty="0">
+                <a:sym typeface="Wingdings" pitchFamily="2" charset="2"/>
+              </a:rPr>
+              <a:t>Select your </a:t>
+            </a:r>
+            <a:r>
+              <a:rPr lang="en-GB" dirty="0" err="1">
+                <a:sym typeface="Wingdings" pitchFamily="2" charset="2"/>
+              </a:rPr>
+              <a:t>id_rsa</a:t>
+            </a:r>
+            <a:r>
+              <a:rPr lang="en-GB" dirty="0">
+                <a:sym typeface="Wingdings" pitchFamily="2" charset="2"/>
+              </a:rPr>
+              <a:t> (not </a:t>
+            </a:r>
+            <a:r>
+              <a:rPr lang="en-GB" dirty="0" err="1">
+                <a:sym typeface="Wingdings" pitchFamily="2" charset="2"/>
+              </a:rPr>
+              <a:t>id_rsa.pub</a:t>
+            </a:r>
+            <a:r>
+              <a:rPr lang="en-GB" dirty="0">
+                <a:sym typeface="Wingdings" pitchFamily="2" charset="2"/>
+              </a:rPr>
+              <a:t>)</a:t>
+            </a:r>
+          </a:p>
+          <a:p>
+            <a:pPr lvl="1"/>
+            <a:r>
+              <a:rPr lang="en-GB" dirty="0">
+                <a:sym typeface="Wingdings" pitchFamily="2" charset="2"/>
+              </a:rPr>
+              <a:t>Reminder:</a:t>
+            </a:r>
+          </a:p>
+          <a:p>
+            <a:pPr lvl="2"/>
+            <a:r>
+              <a:rPr lang="en-GB" dirty="0"/>
+              <a:t>C:\Users\</a:t>
+            </a:r>
+            <a:r>
+              <a:rPr lang="en-GB" dirty="0" err="1"/>
+              <a:t>your_username</a:t>
+            </a:r>
+            <a:r>
+              <a:rPr lang="en-GB" dirty="0"/>
+              <a:t>\.</a:t>
+            </a:r>
+            <a:r>
+              <a:rPr lang="en-GB" dirty="0" err="1"/>
+              <a:t>ssh</a:t>
+            </a:r>
+            <a:r>
+              <a:rPr lang="en-GB" dirty="0"/>
+              <a:t>\</a:t>
+            </a:r>
+            <a:r>
+              <a:rPr lang="en-GB" dirty="0" err="1"/>
+              <a:t>id_rsa</a:t>
+            </a:r>
+            <a:r>
+              <a:rPr lang="en-GB" dirty="0"/>
+              <a:t> (Windows)</a:t>
+            </a:r>
+          </a:p>
+          <a:p>
+            <a:pPr lvl="2"/>
+            <a:r>
+              <a:rPr lang="en-GB" dirty="0"/>
+              <a:t>/Users/</a:t>
+            </a:r>
+            <a:r>
+              <a:rPr lang="en-GB" dirty="0" err="1"/>
+              <a:t>your_username</a:t>
+            </a:r>
+            <a:r>
+              <a:rPr lang="en-GB" dirty="0"/>
+              <a:t>/.</a:t>
+            </a:r>
+            <a:r>
+              <a:rPr lang="en-GB" dirty="0" err="1"/>
+              <a:t>ssh</a:t>
+            </a:r>
+            <a:r>
+              <a:rPr lang="en-GB" dirty="0"/>
+              <a:t>/</a:t>
+            </a:r>
+            <a:r>
+              <a:rPr lang="en-GB" dirty="0" err="1"/>
+              <a:t>id_rsa</a:t>
+            </a:r>
+            <a:r>
+              <a:rPr lang="en-GB" dirty="0"/>
+              <a:t> (MacOS)</a:t>
+            </a:r>
+          </a:p>
+          <a:p>
+            <a:pPr lvl="3"/>
+            <a:r>
+              <a:rPr lang="en-GB" dirty="0"/>
+              <a:t>You can also open terminal, then copy the </a:t>
+            </a:r>
+            <a:r>
+              <a:rPr lang="en-GB" dirty="0" err="1"/>
+              <a:t>id_rsa</a:t>
+            </a:r>
+            <a:r>
+              <a:rPr lang="en-GB" dirty="0"/>
+              <a:t> to desktop</a:t>
+            </a:r>
+          </a:p>
+          <a:p>
+            <a:pPr marL="1371600" lvl="3" indent="0">
+              <a:buNone/>
+            </a:pPr>
+            <a:r>
+              <a:rPr lang="en-GB" i="1" dirty="0"/>
+              <a:t>	cp ~/.</a:t>
+            </a:r>
+            <a:r>
+              <a:rPr lang="en-GB" i="1" dirty="0" err="1"/>
+              <a:t>ssh</a:t>
+            </a:r>
+            <a:r>
+              <a:rPr lang="en-GB" i="1" dirty="0"/>
+              <a:t>/</a:t>
+            </a:r>
+            <a:r>
+              <a:rPr lang="en-GB" i="1" dirty="0" err="1"/>
+              <a:t>id_rsa</a:t>
+            </a:r>
+            <a:r>
+              <a:rPr lang="en-GB" i="1" dirty="0"/>
+              <a:t> ~/Desktop/</a:t>
+            </a:r>
+          </a:p>
+          <a:p>
+            <a:pPr marL="1371600" lvl="3" indent="0">
+              <a:buNone/>
+            </a:pPr>
+            <a:r>
+              <a:rPr lang="en-GB" dirty="0"/>
+              <a:t>	Then Load it to </a:t>
+            </a:r>
+            <a:r>
+              <a:rPr lang="en-GB" dirty="0" err="1"/>
+              <a:t>filezilla</a:t>
+            </a:r>
+            <a:r>
+              <a:rPr lang="en-GB" dirty="0"/>
+              <a:t> from desktop</a:t>
+            </a:r>
+          </a:p>
+          <a:p>
+            <a:pPr lvl="1"/>
+            <a:endParaRPr lang="en-GB" dirty="0"/>
           </a:p>
           <a:p>
             <a:endParaRPr lang="en-GB" dirty="0"/>
@@ -11217,8 +11408,8 @@
         </p:blipFill>
         <p:spPr bwMode="auto">
           <a:xfrm>
-            <a:off x="7675318" y="2891546"/>
-            <a:ext cx="4376201" cy="3779526"/>
+            <a:off x="7655863" y="1152983"/>
+            <a:ext cx="2949217" cy="2547105"/>
           </a:xfrm>
           <a:prstGeom prst="rect">
             <a:avLst/>
@@ -11233,6 +11424,36 @@
               </a14:hiddenFill>
             </a:ext>
           </a:extLst>
+        </p:spPr>
+      </p:pic>
+      <p:pic>
+        <p:nvPicPr>
+          <p:cNvPr id="4" name="Picture 3">
+            <a:extLst>
+              <a:ext uri="{FF2B5EF4-FFF2-40B4-BE49-F238E27FC236}">
+                <a16:creationId xmlns:a16="http://schemas.microsoft.com/office/drawing/2014/main" id="{4F5280AA-14A4-5C47-96DD-6821B7E9BBB2}"/>
+              </a:ext>
+            </a:extLst>
+          </p:cNvPr>
+          <p:cNvPicPr>
+            <a:picLocks noChangeAspect="1"/>
+          </p:cNvPicPr>
+          <p:nvPr/>
+        </p:nvPicPr>
+        <p:blipFill>
+          <a:blip r:embed="rId3"/>
+          <a:stretch>
+            <a:fillRect/>
+          </a:stretch>
+        </p:blipFill>
+        <p:spPr>
+          <a:xfrm>
+            <a:off x="7986407" y="4139444"/>
+            <a:ext cx="3847965" cy="2547105"/>
+          </a:xfrm>
+          <a:prstGeom prst="rect">
+            <a:avLst/>
+          </a:prstGeom>
         </p:spPr>
       </p:pic>
     </p:spTree>

--- a/IntroToLinux_Day2.pptx
+++ b/IntroToLinux_Day2.pptx
@@ -5,7 +5,7 @@
     <p:sldMasterId id="2147483668" r:id="rId1"/>
   </p:sldMasterIdLst>
   <p:notesMasterIdLst>
-    <p:notesMasterId r:id="rId26"/>
+    <p:notesMasterId r:id="rId27"/>
   </p:notesMasterIdLst>
   <p:sldIdLst>
     <p:sldId id="289" r:id="rId2"/>
@@ -15,23 +15,24 @@
     <p:sldId id="284" r:id="rId6"/>
     <p:sldId id="287" r:id="rId7"/>
     <p:sldId id="268" r:id="rId8"/>
-    <p:sldId id="323" r:id="rId9"/>
-    <p:sldId id="286" r:id="rId10"/>
-    <p:sldId id="275" r:id="rId11"/>
-    <p:sldId id="295" r:id="rId12"/>
-    <p:sldId id="296" r:id="rId13"/>
-    <p:sldId id="292" r:id="rId14"/>
-    <p:sldId id="302" r:id="rId15"/>
-    <p:sldId id="294" r:id="rId16"/>
-    <p:sldId id="304" r:id="rId17"/>
-    <p:sldId id="322" r:id="rId18"/>
-    <p:sldId id="297" r:id="rId19"/>
-    <p:sldId id="325" r:id="rId20"/>
-    <p:sldId id="324" r:id="rId21"/>
-    <p:sldId id="326" r:id="rId22"/>
-    <p:sldId id="305" r:id="rId23"/>
-    <p:sldId id="327" r:id="rId24"/>
-    <p:sldId id="307" r:id="rId25"/>
+    <p:sldId id="328" r:id="rId9"/>
+    <p:sldId id="323" r:id="rId10"/>
+    <p:sldId id="286" r:id="rId11"/>
+    <p:sldId id="275" r:id="rId12"/>
+    <p:sldId id="295" r:id="rId13"/>
+    <p:sldId id="296" r:id="rId14"/>
+    <p:sldId id="292" r:id="rId15"/>
+    <p:sldId id="302" r:id="rId16"/>
+    <p:sldId id="294" r:id="rId17"/>
+    <p:sldId id="304" r:id="rId18"/>
+    <p:sldId id="322" r:id="rId19"/>
+    <p:sldId id="297" r:id="rId20"/>
+    <p:sldId id="325" r:id="rId21"/>
+    <p:sldId id="324" r:id="rId22"/>
+    <p:sldId id="326" r:id="rId23"/>
+    <p:sldId id="305" r:id="rId24"/>
+    <p:sldId id="327" r:id="rId25"/>
+    <p:sldId id="307" r:id="rId26"/>
   </p:sldIdLst>
   <p:sldSz cx="12192000" cy="6858000"/>
   <p:notesSz cx="6858000" cy="9144000"/>
@@ -577,7 +578,7 @@
           <a:p>
             <a:fld id="{1F576982-B916-C04C-A8C2-7500DBAA2A1B}" type="slidenum">
               <a:rPr lang="en-GB" smtClean="0"/>
-              <a:t>10</a:t>
+              <a:t>11</a:t>
             </a:fld>
             <a:endParaRPr lang="en-GB"/>
           </a:p>
@@ -6699,7 +6700,7 @@
           <p:cNvPr id="2" name="Title 1">
             <a:extLst>
               <a:ext uri="{FF2B5EF4-FFF2-40B4-BE49-F238E27FC236}">
-                <a16:creationId xmlns:a16="http://schemas.microsoft.com/office/drawing/2014/main" id="{02BFCF9F-0D5C-4127-922D-04E879326FB5}"/>
+                <a16:creationId xmlns:a16="http://schemas.microsoft.com/office/drawing/2014/main" id="{2257F1EF-16AE-46CD-A5A8-A8F12151BE5A}"/>
               </a:ext>
             </a:extLst>
           </p:cNvPr>
@@ -6717,7 +6718,7 @@
           <a:p>
             <a:r>
               <a:rPr lang="en-US" dirty="0"/>
-              <a:t>Tasks</a:t>
+              <a:t>Rosalind Documentation</a:t>
             </a:r>
           </a:p>
         </p:txBody>
@@ -6727,7 +6728,7 @@
           <p:cNvPr id="3" name="Content Placeholder 2">
             <a:extLst>
               <a:ext uri="{FF2B5EF4-FFF2-40B4-BE49-F238E27FC236}">
-                <a16:creationId xmlns:a16="http://schemas.microsoft.com/office/drawing/2014/main" id="{6102C590-F224-44EA-B564-F562E493A1C7}"/>
+                <a16:creationId xmlns:a16="http://schemas.microsoft.com/office/drawing/2014/main" id="{5FC23E5E-7F77-4419-BC68-08585AB1226F}"/>
               </a:ext>
             </a:extLst>
           </p:cNvPr>
@@ -6740,97 +6741,59 @@
         </p:nvSpPr>
         <p:spPr/>
         <p:txBody>
-          <a:bodyPr/>
-          <a:lstStyle/>
-          <a:p>
+          <a:bodyPr>
+            <a:normAutofit/>
+          </a:bodyPr>
+          <a:lstStyle/>
+          <a:p>
+            <a:r>
+              <a:rPr lang="en-US" dirty="0">
+                <a:hlinkClick r:id="rId2"/>
+              </a:rPr>
+              <a:t>https://rosalind.kcl.ac.uk</a:t>
+            </a:r>
             <a:r>
               <a:rPr lang="en-US" dirty="0"/>
-              <a:t>1) Make a folder in your home directory, 2) make 3 random files (tip: </a:t>
-            </a:r>
-            <a:r>
-              <a:rPr lang="en-US" b="1" dirty="0"/>
-              <a:t>touch</a:t>
-            </a:r>
-            <a:r>
-              <a:rPr lang="en-US" dirty="0"/>
-              <a:t>) and 3) show list of files you made</a:t>
-            </a:r>
-          </a:p>
-          <a:p>
-            <a:endParaRPr lang="en-US" dirty="0"/>
-          </a:p>
-          <a:p>
-            <a:r>
-              <a:rPr lang="en-US" dirty="0"/>
-              <a:t>1) Change the content of the file (tip: </a:t>
-            </a:r>
-            <a:r>
-              <a:rPr lang="en-US" b="1" dirty="0"/>
-              <a:t>nano</a:t>
-            </a:r>
-            <a:r>
-              <a:rPr lang="en-US" dirty="0"/>
-              <a:t>), 2) copy any text from any webpage (find long one) to the file, and 3) explore the files using head, tail, less, </a:t>
-            </a:r>
-            <a:r>
-              <a:rPr lang="en-US" dirty="0" err="1"/>
-              <a:t>etc</a:t>
-            </a:r>
-            <a:r>
-              <a:rPr lang="en-US" dirty="0"/>
-              <a:t> that we’ve learned yesterday</a:t>
-            </a:r>
-          </a:p>
-          <a:p>
-            <a:endParaRPr lang="en-US" dirty="0"/>
-          </a:p>
-          <a:p>
-            <a:r>
-              <a:rPr lang="en-US" dirty="0"/>
-              <a:t>1) upload any files of your laptop or desktop to your home location at Rosalind server and 2) show list of files you uploaded</a:t>
-            </a:r>
-          </a:p>
-        </p:txBody>
-      </p:sp>
-      <p:sp>
-        <p:nvSpPr>
-          <p:cNvPr id="4" name="TextBox 3">
+              <a:t> </a:t>
+            </a:r>
+            <a:endParaRPr lang="en-US" sz="2000" dirty="0"/>
+          </a:p>
+        </p:txBody>
+      </p:sp>
+      <p:pic>
+        <p:nvPicPr>
+          <p:cNvPr id="5" name="Picture 4">
             <a:extLst>
               <a:ext uri="{FF2B5EF4-FFF2-40B4-BE49-F238E27FC236}">
-                <a16:creationId xmlns:a16="http://schemas.microsoft.com/office/drawing/2014/main" id="{9BC7B774-023B-4EB8-B548-2A36491928A7}"/>
+                <a16:creationId xmlns:a16="http://schemas.microsoft.com/office/drawing/2014/main" id="{E5F7F050-949B-E44B-948F-D1E1D6730C7A}"/>
               </a:ext>
             </a:extLst>
           </p:cNvPr>
-          <p:cNvSpPr txBox="1"/>
+          <p:cNvPicPr>
+            <a:picLocks noChangeAspect="1"/>
+          </p:cNvPicPr>
           <p:nvPr/>
-        </p:nvSpPr>
+        </p:nvPicPr>
+        <p:blipFill>
+          <a:blip r:embed="rId3"/>
+          <a:stretch>
+            <a:fillRect/>
+          </a:stretch>
+        </p:blipFill>
         <p:spPr>
           <a:xfrm>
-            <a:off x="8773610" y="5969655"/>
-            <a:ext cx="2982996" cy="523220"/>
+            <a:off x="4961105" y="2163093"/>
+            <a:ext cx="6801239" cy="4284976"/>
           </a:xfrm>
           <a:prstGeom prst="rect">
             <a:avLst/>
           </a:prstGeom>
-          <a:noFill/>
         </p:spPr>
-        <p:txBody>
-          <a:bodyPr wrap="none" rtlCol="0">
-            <a:spAutoFit/>
-          </a:bodyPr>
-          <a:lstStyle/>
-          <a:p>
-            <a:r>
-              <a:rPr lang="en-US" sz="2800" b="1" dirty="0"/>
-              <a:t>30 min for practice</a:t>
-            </a:r>
-          </a:p>
-        </p:txBody>
-      </p:sp>
+      </p:pic>
     </p:spTree>
     <p:extLst>
       <p:ext uri="{BB962C8B-B14F-4D97-AF65-F5344CB8AC3E}">
-        <p14:creationId xmlns:p14="http://schemas.microsoft.com/office/powerpoint/2010/main" val="1761350737"/>
+        <p14:creationId xmlns:p14="http://schemas.microsoft.com/office/powerpoint/2010/main" val="2376409175"/>
       </p:ext>
     </p:extLst>
   </p:cSld>
@@ -6862,6 +6825,169 @@
           <p:cNvPr id="2" name="Title 1">
             <a:extLst>
               <a:ext uri="{FF2B5EF4-FFF2-40B4-BE49-F238E27FC236}">
+                <a16:creationId xmlns:a16="http://schemas.microsoft.com/office/drawing/2014/main" id="{02BFCF9F-0D5C-4127-922D-04E879326FB5}"/>
+              </a:ext>
+            </a:extLst>
+          </p:cNvPr>
+          <p:cNvSpPr>
+            <a:spLocks noGrp="1"/>
+          </p:cNvSpPr>
+          <p:nvPr>
+            <p:ph type="title"/>
+          </p:nvPr>
+        </p:nvSpPr>
+        <p:spPr/>
+        <p:txBody>
+          <a:bodyPr/>
+          <a:lstStyle/>
+          <a:p>
+            <a:r>
+              <a:rPr lang="en-US" dirty="0"/>
+              <a:t>Tasks</a:t>
+            </a:r>
+          </a:p>
+        </p:txBody>
+      </p:sp>
+      <p:sp>
+        <p:nvSpPr>
+          <p:cNvPr id="3" name="Content Placeholder 2">
+            <a:extLst>
+              <a:ext uri="{FF2B5EF4-FFF2-40B4-BE49-F238E27FC236}">
+                <a16:creationId xmlns:a16="http://schemas.microsoft.com/office/drawing/2014/main" id="{6102C590-F224-44EA-B564-F562E493A1C7}"/>
+              </a:ext>
+            </a:extLst>
+          </p:cNvPr>
+          <p:cNvSpPr>
+            <a:spLocks noGrp="1"/>
+          </p:cNvSpPr>
+          <p:nvPr>
+            <p:ph idx="1"/>
+          </p:nvPr>
+        </p:nvSpPr>
+        <p:spPr/>
+        <p:txBody>
+          <a:bodyPr/>
+          <a:lstStyle/>
+          <a:p>
+            <a:r>
+              <a:rPr lang="en-US" dirty="0"/>
+              <a:t>1) Make a folder in your home directory, 2) make 3 random files (tip: </a:t>
+            </a:r>
+            <a:r>
+              <a:rPr lang="en-US" b="1" dirty="0"/>
+              <a:t>touch</a:t>
+            </a:r>
+            <a:r>
+              <a:rPr lang="en-US" dirty="0"/>
+              <a:t>) and 3) show list of files you made</a:t>
+            </a:r>
+          </a:p>
+          <a:p>
+            <a:endParaRPr lang="en-US" dirty="0"/>
+          </a:p>
+          <a:p>
+            <a:r>
+              <a:rPr lang="en-US" dirty="0"/>
+              <a:t>1) Change the content of the file (tip: </a:t>
+            </a:r>
+            <a:r>
+              <a:rPr lang="en-US" b="1" dirty="0"/>
+              <a:t>nano</a:t>
+            </a:r>
+            <a:r>
+              <a:rPr lang="en-US" dirty="0"/>
+              <a:t>), 2) copy any text from any webpage (find long one) to the file, and 3) explore the files using head, tail, less, </a:t>
+            </a:r>
+            <a:r>
+              <a:rPr lang="en-US" dirty="0" err="1"/>
+              <a:t>etc</a:t>
+            </a:r>
+            <a:r>
+              <a:rPr lang="en-US" dirty="0"/>
+              <a:t> that we’ve learned yesterday</a:t>
+            </a:r>
+          </a:p>
+          <a:p>
+            <a:endParaRPr lang="en-US" dirty="0"/>
+          </a:p>
+          <a:p>
+            <a:r>
+              <a:rPr lang="en-US" dirty="0"/>
+              <a:t>1) upload any files of your laptop or desktop to your home location at Rosalind server and 2) show list of files you uploaded</a:t>
+            </a:r>
+          </a:p>
+        </p:txBody>
+      </p:sp>
+      <p:sp>
+        <p:nvSpPr>
+          <p:cNvPr id="4" name="TextBox 3">
+            <a:extLst>
+              <a:ext uri="{FF2B5EF4-FFF2-40B4-BE49-F238E27FC236}">
+                <a16:creationId xmlns:a16="http://schemas.microsoft.com/office/drawing/2014/main" id="{9BC7B774-023B-4EB8-B548-2A36491928A7}"/>
+              </a:ext>
+            </a:extLst>
+          </p:cNvPr>
+          <p:cNvSpPr txBox="1"/>
+          <p:nvPr/>
+        </p:nvSpPr>
+        <p:spPr>
+          <a:xfrm>
+            <a:off x="8773610" y="5969655"/>
+            <a:ext cx="2982996" cy="523220"/>
+          </a:xfrm>
+          <a:prstGeom prst="rect">
+            <a:avLst/>
+          </a:prstGeom>
+          <a:noFill/>
+        </p:spPr>
+        <p:txBody>
+          <a:bodyPr wrap="none" rtlCol="0">
+            <a:spAutoFit/>
+          </a:bodyPr>
+          <a:lstStyle/>
+          <a:p>
+            <a:r>
+              <a:rPr lang="en-US" sz="2800" b="1" dirty="0"/>
+              <a:t>30 min for practice</a:t>
+            </a:r>
+          </a:p>
+        </p:txBody>
+      </p:sp>
+    </p:spTree>
+    <p:extLst>
+      <p:ext uri="{BB962C8B-B14F-4D97-AF65-F5344CB8AC3E}">
+        <p14:creationId xmlns:p14="http://schemas.microsoft.com/office/powerpoint/2010/main" val="1761350737"/>
+      </p:ext>
+    </p:extLst>
+  </p:cSld>
+  <p:clrMapOvr>
+    <a:masterClrMapping/>
+  </p:clrMapOvr>
+</p:sld>
+</file>
+
+<file path=ppt/slides/slide12.xml><?xml version="1.0" encoding="utf-8"?>
+<p:sld xmlns:a="http://schemas.openxmlformats.org/drawingml/2006/main" xmlns:r="http://schemas.openxmlformats.org/officeDocument/2006/relationships" xmlns:p="http://schemas.openxmlformats.org/presentationml/2006/main">
+  <p:cSld>
+    <p:spTree>
+      <p:nvGrpSpPr>
+        <p:cNvPr id="1" name=""/>
+        <p:cNvGrpSpPr/>
+        <p:nvPr/>
+      </p:nvGrpSpPr>
+      <p:grpSpPr>
+        <a:xfrm>
+          <a:off x="0" y="0"/>
+          <a:ext cx="0" cy="0"/>
+          <a:chOff x="0" y="0"/>
+          <a:chExt cx="0" cy="0"/>
+        </a:xfrm>
+      </p:grpSpPr>
+      <p:sp>
+        <p:nvSpPr>
+          <p:cNvPr id="2" name="Title 1">
+            <a:extLst>
+              <a:ext uri="{FF2B5EF4-FFF2-40B4-BE49-F238E27FC236}">
                 <a16:creationId xmlns:a16="http://schemas.microsoft.com/office/drawing/2014/main" id="{00CD4E4E-D546-4631-8D07-F5F454AA5E5D}"/>
               </a:ext>
             </a:extLst>
@@ -7045,7 +7171,7 @@
 </p:sld>
 </file>
 
-<file path=ppt/slides/slide12.xml><?xml version="1.0" encoding="utf-8"?>
+<file path=ppt/slides/slide13.xml><?xml version="1.0" encoding="utf-8"?>
 <p:sld xmlns:a="http://schemas.openxmlformats.org/drawingml/2006/main" xmlns:r="http://schemas.openxmlformats.org/officeDocument/2006/relationships" xmlns:p="http://schemas.openxmlformats.org/presentationml/2006/main">
   <p:cSld>
     <p:spTree>
@@ -7107,7 +7233,7 @@
 </p:sld>
 </file>
 
-<file path=ppt/slides/slide13.xml><?xml version="1.0" encoding="utf-8"?>
+<file path=ppt/slides/slide14.xml><?xml version="1.0" encoding="utf-8"?>
 <p:sld xmlns:a="http://schemas.openxmlformats.org/drawingml/2006/main" xmlns:r="http://schemas.openxmlformats.org/officeDocument/2006/relationships" xmlns:p="http://schemas.openxmlformats.org/presentationml/2006/main">
   <p:cSld>
     <p:spTree>
@@ -7862,7 +7988,7 @@
 </p:sld>
 </file>
 
-<file path=ppt/slides/slide14.xml><?xml version="1.0" encoding="utf-8"?>
+<file path=ppt/slides/slide15.xml><?xml version="1.0" encoding="utf-8"?>
 <p:sld xmlns:a="http://schemas.openxmlformats.org/drawingml/2006/main" xmlns:r="http://schemas.openxmlformats.org/officeDocument/2006/relationships" xmlns:p="http://schemas.openxmlformats.org/presentationml/2006/main">
   <p:cSld>
     <p:spTree>
@@ -8696,7 +8822,7 @@
 </p:sld>
 </file>
 
-<file path=ppt/slides/slide15.xml><?xml version="1.0" encoding="utf-8"?>
+<file path=ppt/slides/slide16.xml><?xml version="1.0" encoding="utf-8"?>
 <p:sld xmlns:a="http://schemas.openxmlformats.org/drawingml/2006/main" xmlns:r="http://schemas.openxmlformats.org/officeDocument/2006/relationships" xmlns:p="http://schemas.openxmlformats.org/presentationml/2006/main">
   <p:cSld>
     <p:spTree>
@@ -8962,275 +9088,6 @@
 </p:sld>
 </file>
 
-<file path=ppt/slides/slide16.xml><?xml version="1.0" encoding="utf-8"?>
-<p:sld xmlns:a="http://schemas.openxmlformats.org/drawingml/2006/main" xmlns:r="http://schemas.openxmlformats.org/officeDocument/2006/relationships" xmlns:p="http://schemas.openxmlformats.org/presentationml/2006/main">
-  <p:cSld>
-    <p:spTree>
-      <p:nvGrpSpPr>
-        <p:cNvPr id="1" name=""/>
-        <p:cNvGrpSpPr/>
-        <p:nvPr/>
-      </p:nvGrpSpPr>
-      <p:grpSpPr>
-        <a:xfrm>
-          <a:off x="0" y="0"/>
-          <a:ext cx="0" cy="0"/>
-          <a:chOff x="0" y="0"/>
-          <a:chExt cx="0" cy="0"/>
-        </a:xfrm>
-      </p:grpSpPr>
-      <p:sp>
-        <p:nvSpPr>
-          <p:cNvPr id="2" name="Title 1">
-            <a:extLst>
-              <a:ext uri="{FF2B5EF4-FFF2-40B4-BE49-F238E27FC236}">
-                <a16:creationId xmlns:a16="http://schemas.microsoft.com/office/drawing/2014/main" id="{F106FC69-F4F4-477D-9A5D-63B0AEB15A9F}"/>
-              </a:ext>
-            </a:extLst>
-          </p:cNvPr>
-          <p:cNvSpPr>
-            <a:spLocks noGrp="1"/>
-          </p:cNvSpPr>
-          <p:nvPr>
-            <p:ph type="title"/>
-          </p:nvPr>
-        </p:nvSpPr>
-        <p:spPr>
-          <a:xfrm>
-            <a:off x="838200" y="365125"/>
-            <a:ext cx="10515600" cy="1325563"/>
-          </a:xfrm>
-        </p:spPr>
-        <p:txBody>
-          <a:bodyPr/>
-          <a:lstStyle/>
-          <a:p>
-            <a:r>
-              <a:rPr lang="en-US" dirty="0"/>
-              <a:t>Batch Mode</a:t>
-            </a:r>
-          </a:p>
-        </p:txBody>
-      </p:sp>
-      <p:sp>
-        <p:nvSpPr>
-          <p:cNvPr id="3" name="Content Placeholder 2">
-            <a:extLst>
-              <a:ext uri="{FF2B5EF4-FFF2-40B4-BE49-F238E27FC236}">
-                <a16:creationId xmlns:a16="http://schemas.microsoft.com/office/drawing/2014/main" id="{F7FD468D-656B-48E1-90D6-5D651345DEDD}"/>
-              </a:ext>
-            </a:extLst>
-          </p:cNvPr>
-          <p:cNvSpPr>
-            <a:spLocks noGrp="1"/>
-          </p:cNvSpPr>
-          <p:nvPr>
-            <p:ph idx="1"/>
-          </p:nvPr>
-        </p:nvSpPr>
-        <p:spPr/>
-        <p:txBody>
-          <a:bodyPr>
-            <a:normAutofit lnSpcReduction="10000"/>
-          </a:bodyPr>
-          <a:lstStyle/>
-          <a:p>
-            <a:r>
-              <a:rPr lang="en-US" dirty="0"/>
-              <a:t>Batch mode:</a:t>
-            </a:r>
-          </a:p>
-          <a:p>
-            <a:pPr lvl="1"/>
-            <a:r>
-              <a:rPr lang="en-US" dirty="0"/>
-              <a:t>Make job script, job.sh</a:t>
-            </a:r>
-          </a:p>
-          <a:p>
-            <a:pPr lvl="1"/>
-            <a:endParaRPr lang="en-US" dirty="0"/>
-          </a:p>
-          <a:p>
-            <a:pPr lvl="1"/>
-            <a:r>
-              <a:rPr lang="en-US" dirty="0"/>
-              <a:t>Submitting job:</a:t>
-            </a:r>
-          </a:p>
-          <a:p>
-            <a:pPr lvl="2"/>
-            <a:r>
-              <a:rPr lang="en-US" dirty="0" err="1"/>
-              <a:t>sbatch</a:t>
-            </a:r>
-            <a:r>
-              <a:rPr lang="en-US" dirty="0"/>
-              <a:t> –p shared </a:t>
-            </a:r>
-            <a:r>
-              <a:rPr lang="en-US" dirty="0" err="1"/>
-              <a:t>job.sh</a:t>
-            </a:r>
-            <a:endParaRPr lang="en-US" dirty="0"/>
-          </a:p>
-          <a:p>
-            <a:pPr lvl="2"/>
-            <a:endParaRPr lang="en-US" dirty="0"/>
-          </a:p>
-          <a:p>
-            <a:pPr lvl="1"/>
-            <a:r>
-              <a:rPr lang="en-US" dirty="0"/>
-              <a:t>Checking status of job</a:t>
-            </a:r>
-          </a:p>
-          <a:p>
-            <a:pPr lvl="2"/>
-            <a:r>
-              <a:rPr lang="en-GB" dirty="0" err="1"/>
-              <a:t>squeue</a:t>
-            </a:r>
-            <a:r>
-              <a:rPr lang="en-GB" dirty="0"/>
-              <a:t> -u </a:t>
-            </a:r>
-            <a:r>
-              <a:rPr lang="en-GB" dirty="0" err="1"/>
-              <a:t>yourKNumber</a:t>
-            </a:r>
-            <a:endParaRPr lang="en-GB" dirty="0"/>
-          </a:p>
-          <a:p>
-            <a:pPr lvl="2"/>
-            <a:endParaRPr lang="en-GB" dirty="0"/>
-          </a:p>
-          <a:p>
-            <a:pPr lvl="1"/>
-            <a:r>
-              <a:rPr lang="en-GB" dirty="0"/>
-              <a:t>Checking the result of your job (explore the folder)</a:t>
-            </a:r>
-          </a:p>
-          <a:p>
-            <a:pPr lvl="2"/>
-            <a:r>
-              <a:rPr lang="en-GB" dirty="0"/>
-              <a:t>/scratch/users/</a:t>
-            </a:r>
-            <a:r>
-              <a:rPr lang="en-GB" dirty="0" err="1"/>
-              <a:t>yourKnumber</a:t>
-            </a:r>
-            <a:r>
-              <a:rPr lang="en-GB" dirty="0"/>
-              <a:t>/</a:t>
-            </a:r>
-            <a:endParaRPr lang="en-US" dirty="0"/>
-          </a:p>
-          <a:p>
-            <a:pPr lvl="1"/>
-            <a:endParaRPr lang="en-US" dirty="0"/>
-          </a:p>
-        </p:txBody>
-      </p:sp>
-      <p:sp>
-        <p:nvSpPr>
-          <p:cNvPr id="4" name="Rectangle 3">
-            <a:extLst>
-              <a:ext uri="{FF2B5EF4-FFF2-40B4-BE49-F238E27FC236}">
-                <a16:creationId xmlns:a16="http://schemas.microsoft.com/office/drawing/2014/main" id="{19C3964D-6916-45B0-BB9B-22B0A34BFC2E}"/>
-              </a:ext>
-            </a:extLst>
-          </p:cNvPr>
-          <p:cNvSpPr/>
-          <p:nvPr/>
-        </p:nvSpPr>
-        <p:spPr>
-          <a:xfrm>
-            <a:off x="5310554" y="1529537"/>
-            <a:ext cx="6529754" cy="2308324"/>
-          </a:xfrm>
-          <a:prstGeom prst="rect">
-            <a:avLst/>
-          </a:prstGeom>
-          <a:ln>
-            <a:solidFill>
-              <a:schemeClr val="tx1"/>
-            </a:solidFill>
-          </a:ln>
-        </p:spPr>
-        <p:txBody>
-          <a:bodyPr wrap="square">
-            <a:spAutoFit/>
-          </a:bodyPr>
-          <a:lstStyle/>
-          <a:p>
-            <a:r>
-              <a:rPr lang="en-US" sz="1600" b="1" dirty="0"/>
-              <a:t>job.sh</a:t>
-            </a:r>
-          </a:p>
-          <a:p>
-            <a:endParaRPr lang="en-US" sz="1600" dirty="0"/>
-          </a:p>
-          <a:p>
-            <a:endParaRPr lang="en-US" sz="1600" dirty="0"/>
-          </a:p>
-          <a:p>
-            <a:r>
-              <a:rPr lang="en-GB" sz="1600" dirty="0"/>
-              <a:t>#!/bin/bash –l</a:t>
-            </a:r>
-          </a:p>
-          <a:p>
-            <a:r>
-              <a:rPr lang="en-GB" sz="1600" dirty="0"/>
-              <a:t>#SBATCH --output=/scratch/users/%u/%</a:t>
-            </a:r>
-            <a:r>
-              <a:rPr lang="en-GB" sz="1600" dirty="0" err="1"/>
-              <a:t>j.out</a:t>
-            </a:r>
-            <a:endParaRPr lang="en-GB" sz="1600" dirty="0"/>
-          </a:p>
-          <a:p>
-            <a:endParaRPr lang="en-GB" sz="1600" dirty="0"/>
-          </a:p>
-          <a:p>
-            <a:r>
-              <a:rPr lang="en-GB" sz="1600" dirty="0"/>
-              <a:t>echo "Hello, World! From $HOSTNAME" </a:t>
-            </a:r>
-          </a:p>
-          <a:p>
-            <a:r>
-              <a:rPr lang="en-GB" sz="1600" dirty="0"/>
-              <a:t>sleep 15</a:t>
-            </a:r>
-          </a:p>
-          <a:p>
-            <a:r>
-              <a:rPr lang="en-GB" sz="1600" dirty="0"/>
-              <a:t>echo "Goodbye, World! From $HOSTNAME"</a:t>
-            </a:r>
-            <a:endParaRPr lang="en-US" sz="1600" dirty="0"/>
-          </a:p>
-        </p:txBody>
-      </p:sp>
-    </p:spTree>
-    <p:extLst>
-      <p:ext uri="{BB962C8B-B14F-4D97-AF65-F5344CB8AC3E}">
-        <p14:creationId xmlns:p14="http://schemas.microsoft.com/office/powerpoint/2010/main" val="114686475"/>
-      </p:ext>
-    </p:extLst>
-  </p:cSld>
-  <p:clrMapOvr>
-    <a:masterClrMapping/>
-  </p:clrMapOvr>
-</p:sld>
-</file>
-
 <file path=ppt/slides/slide17.xml><?xml version="1.0" encoding="utf-8"?>
 <p:sld xmlns:a="http://schemas.openxmlformats.org/drawingml/2006/main" xmlns:r="http://schemas.openxmlformats.org/officeDocument/2006/relationships" xmlns:p="http://schemas.openxmlformats.org/presentationml/2006/main">
   <p:cSld>
@@ -9264,14 +9121,19 @@
             <p:ph type="title"/>
           </p:nvPr>
         </p:nvSpPr>
-        <p:spPr/>
+        <p:spPr>
+          <a:xfrm>
+            <a:off x="838200" y="365125"/>
+            <a:ext cx="10515600" cy="1325563"/>
+          </a:xfrm>
+        </p:spPr>
         <p:txBody>
           <a:bodyPr/>
           <a:lstStyle/>
           <a:p>
             <a:r>
               <a:rPr lang="en-US" dirty="0"/>
-              <a:t>How much resource are you using</a:t>
+              <a:t>Batch Mode</a:t>
             </a:r>
           </a:p>
         </p:txBody>
@@ -9294,45 +9156,21 @@
         </p:nvSpPr>
         <p:spPr/>
         <p:txBody>
-          <a:bodyPr/>
+          <a:bodyPr>
+            <a:normAutofit lnSpcReduction="10000"/>
+          </a:bodyPr>
           <a:lstStyle/>
           <a:p>
             <a:r>
               <a:rPr lang="en-US" dirty="0"/>
-              <a:t>How much space you are using at Rosalind</a:t>
+              <a:t>Batch mode:</a:t>
             </a:r>
           </a:p>
           <a:p>
             <a:pPr lvl="1"/>
             <a:r>
-              <a:rPr lang="en-US" dirty="0" err="1"/>
-              <a:t>lfs</a:t>
-            </a:r>
-            <a:r>
               <a:rPr lang="en-US" dirty="0"/>
-              <a:t> quota -h  /</a:t>
-            </a:r>
-            <a:r>
-              <a:rPr lang="en-US" dirty="0" err="1"/>
-              <a:t>mnt</a:t>
-            </a:r>
-            <a:r>
-              <a:rPr lang="en-US" dirty="0"/>
-              <a:t>/</a:t>
-            </a:r>
-            <a:r>
-              <a:rPr lang="en-US" dirty="0" err="1"/>
-              <a:t>lustre</a:t>
-            </a:r>
-            <a:endParaRPr lang="en-US" dirty="0"/>
-          </a:p>
-          <a:p>
-            <a:endParaRPr lang="en-US" dirty="0"/>
-          </a:p>
-          <a:p>
-            <a:r>
-              <a:rPr lang="en-US" dirty="0"/>
-              <a:t>How much space that you have in your home directory</a:t>
+              <a:t>Make job script, job.sh</a:t>
             </a:r>
           </a:p>
           <a:p>
@@ -9341,39 +9179,175 @@
           </a:p>
           <a:p>
             <a:pPr lvl="1"/>
+            <a:r>
+              <a:rPr lang="en-US" dirty="0"/>
+              <a:t>Submitting job:</a:t>
+            </a:r>
+          </a:p>
+          <a:p>
+            <a:pPr lvl="2"/>
+            <a:r>
+              <a:rPr lang="en-US" dirty="0" err="1"/>
+              <a:t>sbatch</a:t>
+            </a:r>
+            <a:r>
+              <a:rPr lang="en-US" dirty="0"/>
+              <a:t> –p shared </a:t>
+            </a:r>
+            <a:r>
+              <a:rPr lang="en-US" dirty="0" err="1"/>
+              <a:t>job.sh</a:t>
+            </a:r>
             <a:endParaRPr lang="en-US" dirty="0"/>
           </a:p>
           <a:p>
+            <a:pPr lvl="2"/>
+            <a:endParaRPr lang="en-US" dirty="0"/>
+          </a:p>
+          <a:p>
+            <a:pPr lvl="1"/>
             <a:r>
               <a:rPr lang="en-US" dirty="0"/>
-              <a:t>Which processes are running now</a:t>
-            </a:r>
+              <a:t>Checking status of job</a:t>
+            </a:r>
+          </a:p>
+          <a:p>
+            <a:pPr lvl="2"/>
+            <a:r>
+              <a:rPr lang="en-GB" dirty="0" err="1"/>
+              <a:t>squeue</a:t>
+            </a:r>
+            <a:r>
+              <a:rPr lang="en-GB" dirty="0"/>
+              <a:t> -u </a:t>
+            </a:r>
+            <a:r>
+              <a:rPr lang="en-GB" dirty="0" err="1"/>
+              <a:t>yourKNumber</a:t>
+            </a:r>
+            <a:endParaRPr lang="en-GB" dirty="0"/>
+          </a:p>
+          <a:p>
+            <a:pPr lvl="2"/>
+            <a:endParaRPr lang="en-GB" dirty="0"/>
           </a:p>
           <a:p>
             <a:pPr lvl="1"/>
             <a:r>
-              <a:rPr lang="en-US" dirty="0"/>
-              <a:t>top, </a:t>
-            </a:r>
-            <a:r>
-              <a:rPr lang="en-US" dirty="0" err="1"/>
-              <a:t>htop</a:t>
-            </a:r>
-            <a:r>
-              <a:rPr lang="en-US" dirty="0"/>
-              <a:t> (escaping by “q”)</a:t>
-            </a:r>
+              <a:rPr lang="en-GB" dirty="0"/>
+              <a:t>Checking the result of your job (explore the folder)</a:t>
+            </a:r>
+          </a:p>
+          <a:p>
+            <a:pPr lvl="2"/>
+            <a:r>
+              <a:rPr lang="en-GB" dirty="0"/>
+              <a:t>/scratch/users/</a:t>
+            </a:r>
+            <a:r>
+              <a:rPr lang="en-GB" dirty="0" err="1"/>
+              <a:t>yourKnumber</a:t>
+            </a:r>
+            <a:r>
+              <a:rPr lang="en-GB" dirty="0"/>
+              <a:t>/</a:t>
+            </a:r>
+            <a:endParaRPr lang="en-US" dirty="0"/>
           </a:p>
           <a:p>
             <a:pPr lvl="1"/>
             <a:endParaRPr lang="en-US" dirty="0"/>
+          </a:p>
+        </p:txBody>
+      </p:sp>
+      <p:sp>
+        <p:nvSpPr>
+          <p:cNvPr id="4" name="Rectangle 3">
+            <a:extLst>
+              <a:ext uri="{FF2B5EF4-FFF2-40B4-BE49-F238E27FC236}">
+                <a16:creationId xmlns:a16="http://schemas.microsoft.com/office/drawing/2014/main" id="{19C3964D-6916-45B0-BB9B-22B0A34BFC2E}"/>
+              </a:ext>
+            </a:extLst>
+          </p:cNvPr>
+          <p:cNvSpPr/>
+          <p:nvPr/>
+        </p:nvSpPr>
+        <p:spPr>
+          <a:xfrm>
+            <a:off x="5310554" y="1529537"/>
+            <a:ext cx="6529754" cy="2308324"/>
+          </a:xfrm>
+          <a:prstGeom prst="rect">
+            <a:avLst/>
+          </a:prstGeom>
+          <a:ln>
+            <a:solidFill>
+              <a:schemeClr val="tx1"/>
+            </a:solidFill>
+          </a:ln>
+        </p:spPr>
+        <p:txBody>
+          <a:bodyPr wrap="square">
+            <a:spAutoFit/>
+          </a:bodyPr>
+          <a:lstStyle/>
+          <a:p>
+            <a:r>
+              <a:rPr lang="en-US" sz="1600" b="1" dirty="0"/>
+              <a:t>job.sh</a:t>
+            </a:r>
+          </a:p>
+          <a:p>
+            <a:endParaRPr lang="en-US" sz="1600" dirty="0"/>
+          </a:p>
+          <a:p>
+            <a:endParaRPr lang="en-US" sz="1600" dirty="0"/>
+          </a:p>
+          <a:p>
+            <a:r>
+              <a:rPr lang="en-GB" sz="1600" dirty="0"/>
+              <a:t>#!/bin/bash –l</a:t>
+            </a:r>
+          </a:p>
+          <a:p>
+            <a:r>
+              <a:rPr lang="en-GB" sz="1600" dirty="0"/>
+              <a:t>#SBATCH --output=/scratch/users/%u/%</a:t>
+            </a:r>
+            <a:r>
+              <a:rPr lang="en-GB" sz="1600" dirty="0" err="1"/>
+              <a:t>j.out</a:t>
+            </a:r>
+            <a:endParaRPr lang="en-GB" sz="1600" dirty="0"/>
+          </a:p>
+          <a:p>
+            <a:endParaRPr lang="en-GB" sz="1600" dirty="0"/>
+          </a:p>
+          <a:p>
+            <a:r>
+              <a:rPr lang="en-GB" sz="1600" dirty="0"/>
+              <a:t>echo "Hello, World! From $HOSTNAME" </a:t>
+            </a:r>
+          </a:p>
+          <a:p>
+            <a:r>
+              <a:rPr lang="en-GB" sz="1600" dirty="0"/>
+              <a:t>sleep 15</a:t>
+            </a:r>
+          </a:p>
+          <a:p>
+            <a:r>
+              <a:rPr lang="en-GB" sz="1600" dirty="0"/>
+              <a:t>echo "Goodbye, World! From $HOSTNAME"</a:t>
+            </a:r>
+            <a:endParaRPr lang="en-US" sz="1600" dirty="0"/>
           </a:p>
         </p:txBody>
       </p:sp>
     </p:spTree>
     <p:extLst>
       <p:ext uri="{BB962C8B-B14F-4D97-AF65-F5344CB8AC3E}">
-        <p14:creationId xmlns:p14="http://schemas.microsoft.com/office/powerpoint/2010/main" val="3774960583"/>
+        <p14:creationId xmlns:p14="http://schemas.microsoft.com/office/powerpoint/2010/main" val="114686475"/>
       </p:ext>
     </p:extLst>
   </p:cSld>
@@ -9405,6 +9379,158 @@
           <p:cNvPr id="2" name="Title 1">
             <a:extLst>
               <a:ext uri="{FF2B5EF4-FFF2-40B4-BE49-F238E27FC236}">
+                <a16:creationId xmlns:a16="http://schemas.microsoft.com/office/drawing/2014/main" id="{F106FC69-F4F4-477D-9A5D-63B0AEB15A9F}"/>
+              </a:ext>
+            </a:extLst>
+          </p:cNvPr>
+          <p:cNvSpPr>
+            <a:spLocks noGrp="1"/>
+          </p:cNvSpPr>
+          <p:nvPr>
+            <p:ph type="title"/>
+          </p:nvPr>
+        </p:nvSpPr>
+        <p:spPr/>
+        <p:txBody>
+          <a:bodyPr/>
+          <a:lstStyle/>
+          <a:p>
+            <a:r>
+              <a:rPr lang="en-US" dirty="0"/>
+              <a:t>How much resource are you using</a:t>
+            </a:r>
+          </a:p>
+        </p:txBody>
+      </p:sp>
+      <p:sp>
+        <p:nvSpPr>
+          <p:cNvPr id="3" name="Content Placeholder 2">
+            <a:extLst>
+              <a:ext uri="{FF2B5EF4-FFF2-40B4-BE49-F238E27FC236}">
+                <a16:creationId xmlns:a16="http://schemas.microsoft.com/office/drawing/2014/main" id="{F7FD468D-656B-48E1-90D6-5D651345DEDD}"/>
+              </a:ext>
+            </a:extLst>
+          </p:cNvPr>
+          <p:cNvSpPr>
+            <a:spLocks noGrp="1"/>
+          </p:cNvSpPr>
+          <p:nvPr>
+            <p:ph idx="1"/>
+          </p:nvPr>
+        </p:nvSpPr>
+        <p:spPr/>
+        <p:txBody>
+          <a:bodyPr/>
+          <a:lstStyle/>
+          <a:p>
+            <a:r>
+              <a:rPr lang="en-US" dirty="0"/>
+              <a:t>How much space you are using at Rosalind</a:t>
+            </a:r>
+          </a:p>
+          <a:p>
+            <a:pPr lvl="1"/>
+            <a:r>
+              <a:rPr lang="en-US" dirty="0" err="1"/>
+              <a:t>lfs</a:t>
+            </a:r>
+            <a:r>
+              <a:rPr lang="en-US" dirty="0"/>
+              <a:t> quota -h  /</a:t>
+            </a:r>
+            <a:r>
+              <a:rPr lang="en-US" dirty="0" err="1"/>
+              <a:t>mnt</a:t>
+            </a:r>
+            <a:r>
+              <a:rPr lang="en-US" dirty="0"/>
+              <a:t>/</a:t>
+            </a:r>
+            <a:r>
+              <a:rPr lang="en-US" dirty="0" err="1"/>
+              <a:t>lustre</a:t>
+            </a:r>
+            <a:endParaRPr lang="en-US" dirty="0"/>
+          </a:p>
+          <a:p>
+            <a:endParaRPr lang="en-US" dirty="0"/>
+          </a:p>
+          <a:p>
+            <a:r>
+              <a:rPr lang="en-US" dirty="0"/>
+              <a:t>How much space that you have in your home directory</a:t>
+            </a:r>
+          </a:p>
+          <a:p>
+            <a:pPr lvl="1"/>
+            <a:endParaRPr lang="en-US" dirty="0"/>
+          </a:p>
+          <a:p>
+            <a:pPr lvl="1"/>
+            <a:endParaRPr lang="en-US" dirty="0"/>
+          </a:p>
+          <a:p>
+            <a:r>
+              <a:rPr lang="en-US" dirty="0"/>
+              <a:t>Which processes are running now</a:t>
+            </a:r>
+          </a:p>
+          <a:p>
+            <a:pPr lvl="1"/>
+            <a:r>
+              <a:rPr lang="en-US" dirty="0"/>
+              <a:t>top, </a:t>
+            </a:r>
+            <a:r>
+              <a:rPr lang="en-US" dirty="0" err="1"/>
+              <a:t>htop</a:t>
+            </a:r>
+            <a:r>
+              <a:rPr lang="en-US" dirty="0"/>
+              <a:t> (escaping by “q”)</a:t>
+            </a:r>
+          </a:p>
+          <a:p>
+            <a:pPr lvl="1"/>
+            <a:endParaRPr lang="en-US" dirty="0"/>
+          </a:p>
+        </p:txBody>
+      </p:sp>
+    </p:spTree>
+    <p:extLst>
+      <p:ext uri="{BB962C8B-B14F-4D97-AF65-F5344CB8AC3E}">
+        <p14:creationId xmlns:p14="http://schemas.microsoft.com/office/powerpoint/2010/main" val="3774960583"/>
+      </p:ext>
+    </p:extLst>
+  </p:cSld>
+  <p:clrMapOvr>
+    <a:masterClrMapping/>
+  </p:clrMapOvr>
+</p:sld>
+</file>
+
+<file path=ppt/slides/slide19.xml><?xml version="1.0" encoding="utf-8"?>
+<p:sld xmlns:a="http://schemas.openxmlformats.org/drawingml/2006/main" xmlns:r="http://schemas.openxmlformats.org/officeDocument/2006/relationships" xmlns:p="http://schemas.openxmlformats.org/presentationml/2006/main">
+  <p:cSld>
+    <p:spTree>
+      <p:nvGrpSpPr>
+        <p:cNvPr id="1" name=""/>
+        <p:cNvGrpSpPr/>
+        <p:nvPr/>
+      </p:nvGrpSpPr>
+      <p:grpSpPr>
+        <a:xfrm>
+          <a:off x="0" y="0"/>
+          <a:ext cx="0" cy="0"/>
+          <a:chOff x="0" y="0"/>
+          <a:chExt cx="0" cy="0"/>
+        </a:xfrm>
+      </p:grpSpPr>
+      <p:sp>
+        <p:nvSpPr>
+          <p:cNvPr id="2" name="Title 1">
+            <a:extLst>
+              <a:ext uri="{FF2B5EF4-FFF2-40B4-BE49-F238E27FC236}">
                 <a16:creationId xmlns:a16="http://schemas.microsoft.com/office/drawing/2014/main" id="{59FCD38C-D28D-4E4B-AA47-03D6AE8A3758}"/>
               </a:ext>
             </a:extLst>
@@ -9553,7 +9679,128 @@
 </p:sld>
 </file>
 
-<file path=ppt/slides/slide19.xml><?xml version="1.0" encoding="utf-8"?>
+<file path=ppt/slides/slide2.xml><?xml version="1.0" encoding="utf-8"?>
+<p:sld xmlns:a="http://schemas.openxmlformats.org/drawingml/2006/main" xmlns:r="http://schemas.openxmlformats.org/officeDocument/2006/relationships" xmlns:p="http://schemas.openxmlformats.org/presentationml/2006/main">
+  <p:cSld>
+    <p:spTree>
+      <p:nvGrpSpPr>
+        <p:cNvPr id="1" name=""/>
+        <p:cNvGrpSpPr/>
+        <p:nvPr/>
+      </p:nvGrpSpPr>
+      <p:grpSpPr>
+        <a:xfrm>
+          <a:off x="0" y="0"/>
+          <a:ext cx="0" cy="0"/>
+          <a:chOff x="0" y="0"/>
+          <a:chExt cx="0" cy="0"/>
+        </a:xfrm>
+      </p:grpSpPr>
+      <p:sp>
+        <p:nvSpPr>
+          <p:cNvPr id="2" name="Title 1">
+            <a:extLst>
+              <a:ext uri="{FF2B5EF4-FFF2-40B4-BE49-F238E27FC236}">
+                <a16:creationId xmlns:a16="http://schemas.microsoft.com/office/drawing/2014/main" id="{A445CB7F-27AC-427C-86D5-5B39B85D4690}"/>
+              </a:ext>
+            </a:extLst>
+          </p:cNvPr>
+          <p:cNvSpPr>
+            <a:spLocks noGrp="1"/>
+          </p:cNvSpPr>
+          <p:nvPr>
+            <p:ph type="title"/>
+          </p:nvPr>
+        </p:nvSpPr>
+        <p:spPr/>
+        <p:txBody>
+          <a:bodyPr>
+            <a:normAutofit/>
+          </a:bodyPr>
+          <a:lstStyle/>
+          <a:p>
+            <a:r>
+              <a:rPr lang="en-US" sz="3600" dirty="0"/>
+              <a:t>How to access Rosalind HPC server (Linux)</a:t>
+            </a:r>
+          </a:p>
+        </p:txBody>
+      </p:sp>
+      <p:sp>
+        <p:nvSpPr>
+          <p:cNvPr id="3" name="Content Placeholder 2">
+            <a:extLst>
+              <a:ext uri="{FF2B5EF4-FFF2-40B4-BE49-F238E27FC236}">
+                <a16:creationId xmlns:a16="http://schemas.microsoft.com/office/drawing/2014/main" id="{0A62312A-CB7B-4092-909B-76AED9E4AA0D}"/>
+              </a:ext>
+            </a:extLst>
+          </p:cNvPr>
+          <p:cNvSpPr>
+            <a:spLocks noGrp="1"/>
+          </p:cNvSpPr>
+          <p:nvPr>
+            <p:ph idx="1"/>
+          </p:nvPr>
+        </p:nvSpPr>
+        <p:spPr/>
+        <p:txBody>
+          <a:bodyPr/>
+          <a:lstStyle/>
+          <a:p>
+            <a:r>
+              <a:rPr lang="en-US" sz="2400" dirty="0"/>
+              <a:t>SSH protocol </a:t>
+            </a:r>
+            <a:r>
+              <a:rPr lang="en-US" sz="2400" dirty="0">
+                <a:sym typeface="Wingdings" panose="05000000000000000000" pitchFamily="2" charset="2"/>
+              </a:rPr>
+              <a:t> via command</a:t>
+            </a:r>
+            <a:endParaRPr lang="en-US" sz="2400" dirty="0"/>
+          </a:p>
+          <a:p>
+            <a:r>
+              <a:rPr lang="en-US" sz="2400" dirty="0"/>
+              <a:t>SFTP protocol </a:t>
+            </a:r>
+            <a:r>
+              <a:rPr lang="en-US" sz="2400" dirty="0">
+                <a:sym typeface="Wingdings" panose="05000000000000000000" pitchFamily="2" charset="2"/>
+              </a:rPr>
+              <a:t> via files</a:t>
+            </a:r>
+            <a:endParaRPr lang="en-US" sz="2400" dirty="0"/>
+          </a:p>
+          <a:p>
+            <a:r>
+              <a:rPr lang="en-US" sz="2400" dirty="0"/>
+              <a:t>HTTP protocol </a:t>
+            </a:r>
+            <a:r>
+              <a:rPr lang="en-US" sz="2400" dirty="0">
+                <a:sym typeface="Wingdings" panose="05000000000000000000" pitchFamily="2" charset="2"/>
+              </a:rPr>
+              <a:t> via webpage</a:t>
+            </a:r>
+            <a:endParaRPr lang="en-US" sz="2400" dirty="0"/>
+          </a:p>
+        </p:txBody>
+      </p:sp>
+    </p:spTree>
+    <p:extLst>
+      <p:ext uri="{BB962C8B-B14F-4D97-AF65-F5344CB8AC3E}">
+        <p14:creationId xmlns:p14="http://schemas.microsoft.com/office/powerpoint/2010/main" val="2016365792"/>
+      </p:ext>
+    </p:extLst>
+  </p:cSld>
+  <p:clrMapOvr>
+    <a:masterClrMapping/>
+  </p:clrMapOvr>
+</p:sld>
+</file>
+
+<file path=ppt/slides/slide20.xml><?xml version="1.0" encoding="utf-8"?>
 <p:sld xmlns:a="http://schemas.openxmlformats.org/drawingml/2006/main" xmlns:r="http://schemas.openxmlformats.org/officeDocument/2006/relationships" xmlns:p="http://schemas.openxmlformats.org/presentationml/2006/main">
   <p:cSld>
     <p:spTree>
@@ -9613,337 +9860,6 @@
 </p:sld>
 </file>
 
-<file path=ppt/slides/slide2.xml><?xml version="1.0" encoding="utf-8"?>
-<p:sld xmlns:a="http://schemas.openxmlformats.org/drawingml/2006/main" xmlns:r="http://schemas.openxmlformats.org/officeDocument/2006/relationships" xmlns:p="http://schemas.openxmlformats.org/presentationml/2006/main">
-  <p:cSld>
-    <p:spTree>
-      <p:nvGrpSpPr>
-        <p:cNvPr id="1" name=""/>
-        <p:cNvGrpSpPr/>
-        <p:nvPr/>
-      </p:nvGrpSpPr>
-      <p:grpSpPr>
-        <a:xfrm>
-          <a:off x="0" y="0"/>
-          <a:ext cx="0" cy="0"/>
-          <a:chOff x="0" y="0"/>
-          <a:chExt cx="0" cy="0"/>
-        </a:xfrm>
-      </p:grpSpPr>
-      <p:sp>
-        <p:nvSpPr>
-          <p:cNvPr id="2" name="Title 1">
-            <a:extLst>
-              <a:ext uri="{FF2B5EF4-FFF2-40B4-BE49-F238E27FC236}">
-                <a16:creationId xmlns:a16="http://schemas.microsoft.com/office/drawing/2014/main" id="{A445CB7F-27AC-427C-86D5-5B39B85D4690}"/>
-              </a:ext>
-            </a:extLst>
-          </p:cNvPr>
-          <p:cNvSpPr>
-            <a:spLocks noGrp="1"/>
-          </p:cNvSpPr>
-          <p:nvPr>
-            <p:ph type="title"/>
-          </p:nvPr>
-        </p:nvSpPr>
-        <p:spPr/>
-        <p:txBody>
-          <a:bodyPr>
-            <a:normAutofit/>
-          </a:bodyPr>
-          <a:lstStyle/>
-          <a:p>
-            <a:r>
-              <a:rPr lang="en-US" sz="3600" dirty="0"/>
-              <a:t>How to access Rosalind HPC server (Linux)</a:t>
-            </a:r>
-          </a:p>
-        </p:txBody>
-      </p:sp>
-      <p:sp>
-        <p:nvSpPr>
-          <p:cNvPr id="3" name="Content Placeholder 2">
-            <a:extLst>
-              <a:ext uri="{FF2B5EF4-FFF2-40B4-BE49-F238E27FC236}">
-                <a16:creationId xmlns:a16="http://schemas.microsoft.com/office/drawing/2014/main" id="{0A62312A-CB7B-4092-909B-76AED9E4AA0D}"/>
-              </a:ext>
-            </a:extLst>
-          </p:cNvPr>
-          <p:cNvSpPr>
-            <a:spLocks noGrp="1"/>
-          </p:cNvSpPr>
-          <p:nvPr>
-            <p:ph idx="1"/>
-          </p:nvPr>
-        </p:nvSpPr>
-        <p:spPr/>
-        <p:txBody>
-          <a:bodyPr/>
-          <a:lstStyle/>
-          <a:p>
-            <a:r>
-              <a:rPr lang="en-US" sz="2400" dirty="0"/>
-              <a:t>SSH protocol </a:t>
-            </a:r>
-            <a:r>
-              <a:rPr lang="en-US" sz="2400" dirty="0">
-                <a:sym typeface="Wingdings" panose="05000000000000000000" pitchFamily="2" charset="2"/>
-              </a:rPr>
-              <a:t> via command</a:t>
-            </a:r>
-            <a:endParaRPr lang="en-US" sz="2400" dirty="0"/>
-          </a:p>
-          <a:p>
-            <a:r>
-              <a:rPr lang="en-US" sz="2400" dirty="0"/>
-              <a:t>SFTP protocol </a:t>
-            </a:r>
-            <a:r>
-              <a:rPr lang="en-US" sz="2400" dirty="0">
-                <a:sym typeface="Wingdings" panose="05000000000000000000" pitchFamily="2" charset="2"/>
-              </a:rPr>
-              <a:t> via files</a:t>
-            </a:r>
-            <a:endParaRPr lang="en-US" sz="2400" dirty="0"/>
-          </a:p>
-          <a:p>
-            <a:r>
-              <a:rPr lang="en-US" sz="2400" dirty="0"/>
-              <a:t>HTTP protocol </a:t>
-            </a:r>
-            <a:r>
-              <a:rPr lang="en-US" sz="2400" dirty="0">
-                <a:sym typeface="Wingdings" panose="05000000000000000000" pitchFamily="2" charset="2"/>
-              </a:rPr>
-              <a:t> via webpage</a:t>
-            </a:r>
-            <a:endParaRPr lang="en-US" sz="2400" dirty="0"/>
-          </a:p>
-        </p:txBody>
-      </p:sp>
-    </p:spTree>
-    <p:extLst>
-      <p:ext uri="{BB962C8B-B14F-4D97-AF65-F5344CB8AC3E}">
-        <p14:creationId xmlns:p14="http://schemas.microsoft.com/office/powerpoint/2010/main" val="2016365792"/>
-      </p:ext>
-    </p:extLst>
-  </p:cSld>
-  <p:clrMapOvr>
-    <a:masterClrMapping/>
-  </p:clrMapOvr>
-</p:sld>
-</file>
-
-<file path=ppt/slides/slide20.xml><?xml version="1.0" encoding="utf-8"?>
-<p:sld xmlns:a="http://schemas.openxmlformats.org/drawingml/2006/main" xmlns:r="http://schemas.openxmlformats.org/officeDocument/2006/relationships" xmlns:p="http://schemas.openxmlformats.org/presentationml/2006/main">
-  <p:cSld>
-    <p:spTree>
-      <p:nvGrpSpPr>
-        <p:cNvPr id="1" name=""/>
-        <p:cNvGrpSpPr/>
-        <p:nvPr/>
-      </p:nvGrpSpPr>
-      <p:grpSpPr>
-        <a:xfrm>
-          <a:off x="0" y="0"/>
-          <a:ext cx="0" cy="0"/>
-          <a:chOff x="0" y="0"/>
-          <a:chExt cx="0" cy="0"/>
-        </a:xfrm>
-      </p:grpSpPr>
-      <p:sp>
-        <p:nvSpPr>
-          <p:cNvPr id="2" name="Title 1">
-            <a:extLst>
-              <a:ext uri="{FF2B5EF4-FFF2-40B4-BE49-F238E27FC236}">
-                <a16:creationId xmlns:a16="http://schemas.microsoft.com/office/drawing/2014/main" id="{59FCD38C-D28D-4E4B-AA47-03D6AE8A3758}"/>
-              </a:ext>
-            </a:extLst>
-          </p:cNvPr>
-          <p:cNvSpPr>
-            <a:spLocks noGrp="1"/>
-          </p:cNvSpPr>
-          <p:nvPr>
-            <p:ph type="title"/>
-          </p:nvPr>
-        </p:nvSpPr>
-        <p:spPr/>
-        <p:txBody>
-          <a:bodyPr/>
-          <a:lstStyle/>
-          <a:p>
-            <a:r>
-              <a:rPr lang="en-US" dirty="0"/>
-              <a:t>Tasks </a:t>
-            </a:r>
-          </a:p>
-        </p:txBody>
-      </p:sp>
-      <p:sp>
-        <p:nvSpPr>
-          <p:cNvPr id="3" name="Content Placeholder 2">
-            <a:extLst>
-              <a:ext uri="{FF2B5EF4-FFF2-40B4-BE49-F238E27FC236}">
-                <a16:creationId xmlns:a16="http://schemas.microsoft.com/office/drawing/2014/main" id="{42E5C526-63D6-41DF-9E3C-3270CD1C124B}"/>
-              </a:ext>
-            </a:extLst>
-          </p:cNvPr>
-          <p:cNvSpPr>
-            <a:spLocks noGrp="1"/>
-          </p:cNvSpPr>
-          <p:nvPr>
-            <p:ph idx="1"/>
-          </p:nvPr>
-        </p:nvSpPr>
-        <p:spPr/>
-        <p:txBody>
-          <a:bodyPr>
-            <a:normAutofit fontScale="92500" lnSpcReduction="20000"/>
-          </a:bodyPr>
-          <a:lstStyle/>
-          <a:p>
-            <a:r>
-              <a:rPr lang="en-US" dirty="0"/>
-              <a:t>Check the usage of your space in the home directory</a:t>
-            </a:r>
-          </a:p>
-          <a:p>
-            <a:r>
-              <a:rPr lang="en-US" dirty="0"/>
-              <a:t>Decompress downloaded </a:t>
-            </a:r>
-            <a:r>
-              <a:rPr lang="en-US" dirty="0" err="1"/>
-              <a:t>gzip</a:t>
-            </a:r>
-            <a:r>
-              <a:rPr lang="en-US" dirty="0"/>
-              <a:t> file:</a:t>
-            </a:r>
-          </a:p>
-          <a:p>
-            <a:pPr lvl="1"/>
-            <a:r>
-              <a:rPr lang="en-US" dirty="0"/>
-              <a:t>Tip: </a:t>
-            </a:r>
-            <a:r>
-              <a:rPr lang="en-US" dirty="0" err="1"/>
-              <a:t>gzip</a:t>
-            </a:r>
-            <a:r>
-              <a:rPr lang="en-US" dirty="0"/>
-              <a:t> -d </a:t>
-            </a:r>
-            <a:r>
-              <a:rPr lang="en-US" i="1" dirty="0"/>
-              <a:t>file</a:t>
-            </a:r>
-          </a:p>
-          <a:p>
-            <a:r>
-              <a:rPr lang="en-US" dirty="0"/>
-              <a:t>Check if the file is extracted there and check its size (tip: </a:t>
-            </a:r>
-            <a:r>
-              <a:rPr lang="en-US" b="1" dirty="0"/>
-              <a:t>ls –</a:t>
-            </a:r>
-            <a:r>
-              <a:rPr lang="en-US" b="1" dirty="0" err="1"/>
-              <a:t>alth</a:t>
-            </a:r>
-            <a:r>
-              <a:rPr lang="en-US" dirty="0"/>
-              <a:t>)</a:t>
-            </a:r>
-          </a:p>
-          <a:p>
-            <a:r>
-              <a:rPr lang="en-US" dirty="0"/>
-              <a:t>Make a folder named “Dataset” in your home directory and move both files there (remember about wildcard? *)</a:t>
-            </a:r>
-          </a:p>
-          <a:p>
-            <a:r>
-              <a:rPr lang="en-US" dirty="0"/>
-              <a:t>Move to the new directory</a:t>
-            </a:r>
-          </a:p>
-          <a:p>
-            <a:r>
-              <a:rPr lang="en-US" dirty="0"/>
-              <a:t>Delete the compressed file (tip: </a:t>
-            </a:r>
-            <a:r>
-              <a:rPr lang="en-US" b="1" dirty="0"/>
-              <a:t>rm, </a:t>
-            </a:r>
-            <a:r>
-              <a:rPr lang="en-US" dirty="0"/>
-              <a:t>file suffix .</a:t>
-            </a:r>
-            <a:r>
-              <a:rPr lang="en-US" dirty="0" err="1"/>
-              <a:t>gz</a:t>
-            </a:r>
-            <a:r>
-              <a:rPr lang="en-US" dirty="0"/>
-              <a:t>)</a:t>
-            </a:r>
-          </a:p>
-          <a:p>
-            <a:r>
-              <a:rPr lang="en-US" dirty="0"/>
-              <a:t>Printing head of file:</a:t>
-            </a:r>
-          </a:p>
-          <a:p>
-            <a:pPr lvl="1"/>
-            <a:r>
-              <a:rPr lang="en-US" dirty="0"/>
-              <a:t>Tip: head filename</a:t>
-            </a:r>
-          </a:p>
-          <a:p>
-            <a:r>
-              <a:rPr lang="en-US" dirty="0"/>
-              <a:t>Find any sequence pattern of your interest from a file</a:t>
-            </a:r>
-          </a:p>
-          <a:p>
-            <a:pPr lvl="1"/>
-            <a:r>
-              <a:rPr lang="en-US" dirty="0"/>
-              <a:t>Tip: grep </a:t>
-            </a:r>
-            <a:r>
-              <a:rPr lang="en-US" i="1" dirty="0"/>
-              <a:t>AGGAGGAGGTTCA </a:t>
-            </a:r>
-            <a:r>
-              <a:rPr lang="en-US" dirty="0"/>
-              <a:t>filename (you can change the sequences)</a:t>
-            </a:r>
-          </a:p>
-          <a:p>
-            <a:endParaRPr lang="en-US" i="1" dirty="0"/>
-          </a:p>
-        </p:txBody>
-      </p:sp>
-    </p:spTree>
-    <p:extLst>
-      <p:ext uri="{BB962C8B-B14F-4D97-AF65-F5344CB8AC3E}">
-        <p14:creationId xmlns:p14="http://schemas.microsoft.com/office/powerpoint/2010/main" val="3372713065"/>
-      </p:ext>
-    </p:extLst>
-  </p:cSld>
-  <p:clrMapOvr>
-    <a:masterClrMapping/>
-  </p:clrMapOvr>
-</p:sld>
-</file>
-
 <file path=ppt/slides/slide21.xml><?xml version="1.0" encoding="utf-8"?>
 <p:sld xmlns:a="http://schemas.openxmlformats.org/drawingml/2006/main" xmlns:r="http://schemas.openxmlformats.org/officeDocument/2006/relationships" xmlns:p="http://schemas.openxmlformats.org/presentationml/2006/main">
   <p:cSld>
@@ -10008,17 +9924,98 @@
         <p:spPr/>
         <p:txBody>
           <a:bodyPr>
-            <a:normAutofit fontScale="92500"/>
+            <a:normAutofit fontScale="92500" lnSpcReduction="20000"/>
           </a:bodyPr>
           <a:lstStyle/>
           <a:p>
             <a:r>
               <a:rPr lang="en-US" dirty="0"/>
-              <a:t>Move to </a:t>
+              <a:t>Check the usage of your space in the home directory</a:t>
+            </a:r>
+          </a:p>
+          <a:p>
+            <a:r>
+              <a:rPr lang="en-US" dirty="0"/>
+              <a:t>Decompress downloaded </a:t>
+            </a:r>
+            <a:r>
+              <a:rPr lang="en-US" dirty="0" err="1"/>
+              <a:t>gzip</a:t>
+            </a:r>
+            <a:r>
+              <a:rPr lang="en-US" dirty="0"/>
+              <a:t> file:</a:t>
+            </a:r>
+          </a:p>
+          <a:p>
+            <a:pPr lvl="1"/>
+            <a:r>
+              <a:rPr lang="en-US" dirty="0"/>
+              <a:t>Tip: </a:t>
+            </a:r>
+            <a:r>
+              <a:rPr lang="en-US" dirty="0" err="1"/>
+              <a:t>gzip</a:t>
+            </a:r>
+            <a:r>
+              <a:rPr lang="en-US" dirty="0"/>
+              <a:t> -d </a:t>
+            </a:r>
+            <a:r>
+              <a:rPr lang="en-US" i="1" dirty="0"/>
+              <a:t>file</a:t>
+            </a:r>
+          </a:p>
+          <a:p>
+            <a:r>
+              <a:rPr lang="en-US" dirty="0"/>
+              <a:t>Check if the file is extracted there and check its size (tip: </a:t>
             </a:r>
             <a:r>
               <a:rPr lang="en-US" b="1" dirty="0"/>
-              <a:t>interactive mode</a:t>
+              <a:t>ls –</a:t>
+            </a:r>
+            <a:r>
+              <a:rPr lang="en-US" b="1" dirty="0" err="1"/>
+              <a:t>alth</a:t>
+            </a:r>
+            <a:r>
+              <a:rPr lang="en-US" dirty="0"/>
+              <a:t>)</a:t>
+            </a:r>
+          </a:p>
+          <a:p>
+            <a:r>
+              <a:rPr lang="en-US" dirty="0"/>
+              <a:t>Make a folder named “Dataset” in your home directory and move both files there (remember about wildcard? *)</a:t>
+            </a:r>
+          </a:p>
+          <a:p>
+            <a:r>
+              <a:rPr lang="en-US" dirty="0"/>
+              <a:t>Move to the new directory</a:t>
+            </a:r>
+          </a:p>
+          <a:p>
+            <a:r>
+              <a:rPr lang="en-US" dirty="0"/>
+              <a:t>Delete the compressed file (tip: </a:t>
+            </a:r>
+            <a:r>
+              <a:rPr lang="en-US" b="1" dirty="0"/>
+              <a:t>rm, </a:t>
+            </a:r>
+            <a:r>
+              <a:rPr lang="en-US" dirty="0"/>
+              <a:t>file suffix .</a:t>
+            </a:r>
+            <a:r>
+              <a:rPr lang="en-US" dirty="0" err="1"/>
+              <a:t>gz</a:t>
+            </a:r>
+            <a:r>
+              <a:rPr lang="en-US" dirty="0"/>
+              <a:t>)</a:t>
             </a:r>
           </a:p>
           <a:p>
@@ -10035,41 +10032,6 @@
             </a:r>
           </a:p>
           <a:p>
-            <a:pPr lvl="1"/>
-            <a:r>
-              <a:rPr lang="en-US" dirty="0"/>
-              <a:t>Check for the format of FASTQ file (standard NGS format)</a:t>
-            </a:r>
-          </a:p>
-          <a:p>
-            <a:pPr lvl="1"/>
-            <a:r>
-              <a:rPr lang="en-US" dirty="0"/>
-              <a:t>Read about </a:t>
-            </a:r>
-            <a:r>
-              <a:rPr lang="en-US" dirty="0" err="1"/>
-              <a:t>fastq</a:t>
-            </a:r>
-            <a:r>
-              <a:rPr lang="en-US" dirty="0"/>
-              <a:t> format to understand the what each line means</a:t>
-            </a:r>
-          </a:p>
-          <a:p>
-            <a:pPr lvl="1"/>
-            <a:r>
-              <a:rPr lang="en-US" dirty="0">
-                <a:hlinkClick r:id="rId2"/>
-              </a:rPr>
-              <a:t>https://emea.support.illumina.com/bulletins/2016/04/fastq-files-explained.html</a:t>
-            </a:r>
-            <a:r>
-              <a:rPr lang="en-US" dirty="0"/>
-              <a:t> </a:t>
-            </a:r>
-          </a:p>
-          <a:p>
             <a:r>
               <a:rPr lang="en-US" dirty="0"/>
               <a:t>Find any sequence pattern of your interest from a file</a:t>
@@ -10079,65 +10041,16 @@
             <a:pPr lvl="1"/>
             <a:r>
               <a:rPr lang="en-US" dirty="0"/>
-              <a:t>Tip: </a:t>
-            </a:r>
-            <a:r>
-              <a:rPr lang="en-US" b="1" dirty="0"/>
-              <a:t>grep </a:t>
-            </a:r>
-            <a:r>
-              <a:rPr lang="en-US" b="1" i="1" dirty="0"/>
+              <a:t>Tip: grep </a:t>
+            </a:r>
+            <a:r>
+              <a:rPr lang="en-US" i="1" dirty="0"/>
               <a:t>AGGAGGAGGTTCA </a:t>
             </a:r>
             <a:r>
-              <a:rPr lang="en-US" b="1" dirty="0"/>
-              <a:t>filename </a:t>
-            </a:r>
-            <a:r>
               <a:rPr lang="en-US" dirty="0"/>
-              <a:t>(you can change the sequences)</a:t>
-            </a:r>
-          </a:p>
-          <a:p>
-            <a:pPr lvl="1"/>
-            <a:r>
-              <a:rPr lang="en-US" dirty="0"/>
-              <a:t>Bonus: count how many lines of your sequence are there? </a:t>
-            </a:r>
-          </a:p>
-          <a:p>
-            <a:pPr marL="457200" lvl="1" indent="0">
-              <a:buNone/>
-            </a:pPr>
-            <a:r>
-              <a:rPr lang="en-US" dirty="0"/>
-              <a:t>	(tip: </a:t>
-            </a:r>
-            <a:r>
-              <a:rPr lang="en-US" b="1" dirty="0"/>
-              <a:t>grep </a:t>
-            </a:r>
-            <a:r>
-              <a:rPr lang="en-US" b="1" i="1" dirty="0"/>
-              <a:t>sequence file</a:t>
-            </a:r>
-            <a:r>
-              <a:rPr lang="en-US" b="1" dirty="0"/>
-              <a:t> | </a:t>
-            </a:r>
-            <a:r>
-              <a:rPr lang="en-US" b="1" dirty="0" err="1"/>
-              <a:t>wc</a:t>
-            </a:r>
-            <a:r>
-              <a:rPr lang="en-US" b="1" dirty="0"/>
-              <a:t> –l</a:t>
-            </a:r>
-            <a:r>
-              <a:rPr lang="en-US" dirty="0"/>
-              <a:t>)</a:t>
-            </a:r>
-            <a:endParaRPr lang="en-US" i="1" dirty="0"/>
+              <a:t>filename (you can change the sequences)</a:t>
+            </a:r>
           </a:p>
           <a:p>
             <a:endParaRPr lang="en-US" i="1" dirty="0"/>
@@ -10147,7 +10060,7 @@
     </p:spTree>
     <p:extLst>
       <p:ext uri="{BB962C8B-B14F-4D97-AF65-F5344CB8AC3E}">
-        <p14:creationId xmlns:p14="http://schemas.microsoft.com/office/powerpoint/2010/main" val="2999434762"/>
+        <p14:creationId xmlns:p14="http://schemas.microsoft.com/office/powerpoint/2010/main" val="3372713065"/>
       </p:ext>
     </p:extLst>
   </p:cSld>
@@ -10179,6 +10092,219 @@
           <p:cNvPr id="2" name="Title 1">
             <a:extLst>
               <a:ext uri="{FF2B5EF4-FFF2-40B4-BE49-F238E27FC236}">
+                <a16:creationId xmlns:a16="http://schemas.microsoft.com/office/drawing/2014/main" id="{59FCD38C-D28D-4E4B-AA47-03D6AE8A3758}"/>
+              </a:ext>
+            </a:extLst>
+          </p:cNvPr>
+          <p:cNvSpPr>
+            <a:spLocks noGrp="1"/>
+          </p:cNvSpPr>
+          <p:nvPr>
+            <p:ph type="title"/>
+          </p:nvPr>
+        </p:nvSpPr>
+        <p:spPr/>
+        <p:txBody>
+          <a:bodyPr/>
+          <a:lstStyle/>
+          <a:p>
+            <a:r>
+              <a:rPr lang="en-US" dirty="0"/>
+              <a:t>Tasks </a:t>
+            </a:r>
+          </a:p>
+        </p:txBody>
+      </p:sp>
+      <p:sp>
+        <p:nvSpPr>
+          <p:cNvPr id="3" name="Content Placeholder 2">
+            <a:extLst>
+              <a:ext uri="{FF2B5EF4-FFF2-40B4-BE49-F238E27FC236}">
+                <a16:creationId xmlns:a16="http://schemas.microsoft.com/office/drawing/2014/main" id="{42E5C526-63D6-41DF-9E3C-3270CD1C124B}"/>
+              </a:ext>
+            </a:extLst>
+          </p:cNvPr>
+          <p:cNvSpPr>
+            <a:spLocks noGrp="1"/>
+          </p:cNvSpPr>
+          <p:nvPr>
+            <p:ph idx="1"/>
+          </p:nvPr>
+        </p:nvSpPr>
+        <p:spPr/>
+        <p:txBody>
+          <a:bodyPr>
+            <a:normAutofit fontScale="92500"/>
+          </a:bodyPr>
+          <a:lstStyle/>
+          <a:p>
+            <a:r>
+              <a:rPr lang="en-US" dirty="0"/>
+              <a:t>Move to </a:t>
+            </a:r>
+            <a:r>
+              <a:rPr lang="en-US" b="1" dirty="0"/>
+              <a:t>interactive mode</a:t>
+            </a:r>
+          </a:p>
+          <a:p>
+            <a:r>
+              <a:rPr lang="en-US" dirty="0"/>
+              <a:t>Printing head of file:</a:t>
+            </a:r>
+          </a:p>
+          <a:p>
+            <a:pPr lvl="1"/>
+            <a:r>
+              <a:rPr lang="en-US" dirty="0"/>
+              <a:t>Tip: head filename</a:t>
+            </a:r>
+          </a:p>
+          <a:p>
+            <a:pPr lvl="1"/>
+            <a:r>
+              <a:rPr lang="en-US" dirty="0"/>
+              <a:t>Check for the format of FASTQ file (standard NGS format)</a:t>
+            </a:r>
+          </a:p>
+          <a:p>
+            <a:pPr lvl="1"/>
+            <a:r>
+              <a:rPr lang="en-US" dirty="0"/>
+              <a:t>Read about </a:t>
+            </a:r>
+            <a:r>
+              <a:rPr lang="en-US" dirty="0" err="1"/>
+              <a:t>fastq</a:t>
+            </a:r>
+            <a:r>
+              <a:rPr lang="en-US" dirty="0"/>
+              <a:t> format to understand the what each line means</a:t>
+            </a:r>
+          </a:p>
+          <a:p>
+            <a:pPr lvl="1"/>
+            <a:r>
+              <a:rPr lang="en-US" dirty="0">
+                <a:hlinkClick r:id="rId2"/>
+              </a:rPr>
+              <a:t>https://emea.support.illumina.com/bulletins/2016/04/fastq-files-explained.html</a:t>
+            </a:r>
+            <a:r>
+              <a:rPr lang="en-US" dirty="0"/>
+              <a:t> </a:t>
+            </a:r>
+          </a:p>
+          <a:p>
+            <a:r>
+              <a:rPr lang="en-US" dirty="0"/>
+              <a:t>Find any sequence pattern of your interest from a file</a:t>
+            </a:r>
+          </a:p>
+          <a:p>
+            <a:pPr lvl="1"/>
+            <a:r>
+              <a:rPr lang="en-US" dirty="0"/>
+              <a:t>Tip: </a:t>
+            </a:r>
+            <a:r>
+              <a:rPr lang="en-US" b="1" dirty="0"/>
+              <a:t>grep </a:t>
+            </a:r>
+            <a:r>
+              <a:rPr lang="en-US" b="1" i="1" dirty="0"/>
+              <a:t>AGGAGGAGGTTCA </a:t>
+            </a:r>
+            <a:r>
+              <a:rPr lang="en-US" b="1" dirty="0"/>
+              <a:t>filename </a:t>
+            </a:r>
+            <a:r>
+              <a:rPr lang="en-US" dirty="0"/>
+              <a:t>(you can change the sequences)</a:t>
+            </a:r>
+          </a:p>
+          <a:p>
+            <a:pPr lvl="1"/>
+            <a:r>
+              <a:rPr lang="en-US" dirty="0"/>
+              <a:t>Bonus: count how many lines of your sequence are there? </a:t>
+            </a:r>
+          </a:p>
+          <a:p>
+            <a:pPr marL="457200" lvl="1" indent="0">
+              <a:buNone/>
+            </a:pPr>
+            <a:r>
+              <a:rPr lang="en-US" dirty="0"/>
+              <a:t>	(tip: </a:t>
+            </a:r>
+            <a:r>
+              <a:rPr lang="en-US" b="1" dirty="0"/>
+              <a:t>grep </a:t>
+            </a:r>
+            <a:r>
+              <a:rPr lang="en-US" b="1" i="1" dirty="0"/>
+              <a:t>sequence file</a:t>
+            </a:r>
+            <a:r>
+              <a:rPr lang="en-US" b="1" dirty="0"/>
+              <a:t> | </a:t>
+            </a:r>
+            <a:r>
+              <a:rPr lang="en-US" b="1" dirty="0" err="1"/>
+              <a:t>wc</a:t>
+            </a:r>
+            <a:r>
+              <a:rPr lang="en-US" b="1" dirty="0"/>
+              <a:t> –l</a:t>
+            </a:r>
+            <a:r>
+              <a:rPr lang="en-US" dirty="0"/>
+              <a:t>)</a:t>
+            </a:r>
+            <a:endParaRPr lang="en-US" i="1" dirty="0"/>
+          </a:p>
+          <a:p>
+            <a:endParaRPr lang="en-US" i="1" dirty="0"/>
+          </a:p>
+        </p:txBody>
+      </p:sp>
+    </p:spTree>
+    <p:extLst>
+      <p:ext uri="{BB962C8B-B14F-4D97-AF65-F5344CB8AC3E}">
+        <p14:creationId xmlns:p14="http://schemas.microsoft.com/office/powerpoint/2010/main" val="2999434762"/>
+      </p:ext>
+    </p:extLst>
+  </p:cSld>
+  <p:clrMapOvr>
+    <a:masterClrMapping/>
+  </p:clrMapOvr>
+</p:sld>
+</file>
+
+<file path=ppt/slides/slide23.xml><?xml version="1.0" encoding="utf-8"?>
+<p:sld xmlns:a="http://schemas.openxmlformats.org/drawingml/2006/main" xmlns:r="http://schemas.openxmlformats.org/officeDocument/2006/relationships" xmlns:p="http://schemas.openxmlformats.org/presentationml/2006/main">
+  <p:cSld>
+    <p:spTree>
+      <p:nvGrpSpPr>
+        <p:cNvPr id="1" name=""/>
+        <p:cNvGrpSpPr/>
+        <p:nvPr/>
+      </p:nvGrpSpPr>
+      <p:grpSpPr>
+        <a:xfrm>
+          <a:off x="0" y="0"/>
+          <a:ext cx="0" cy="0"/>
+          <a:chOff x="0" y="0"/>
+          <a:chExt cx="0" cy="0"/>
+        </a:xfrm>
+      </p:grpSpPr>
+      <p:sp>
+        <p:nvSpPr>
+          <p:cNvPr id="2" name="Title 1">
+            <a:extLst>
+              <a:ext uri="{FF2B5EF4-FFF2-40B4-BE49-F238E27FC236}">
                 <a16:creationId xmlns:a16="http://schemas.microsoft.com/office/drawing/2014/main" id="{7B2C48CA-6D35-4B81-85C0-85B0AE11F802}"/>
               </a:ext>
             </a:extLst>
@@ -10304,7 +10430,7 @@
 </p:sld>
 </file>
 
-<file path=ppt/slides/slide23.xml><?xml version="1.0" encoding="utf-8"?>
+<file path=ppt/slides/slide24.xml><?xml version="1.0" encoding="utf-8"?>
 <p:sld xmlns:a="http://schemas.openxmlformats.org/drawingml/2006/main" xmlns:r="http://schemas.openxmlformats.org/officeDocument/2006/relationships" xmlns:p="http://schemas.openxmlformats.org/presentationml/2006/main">
   <p:cSld>
     <p:spTree>
@@ -10552,7 +10678,7 @@
 </p:sld>
 </file>
 
-<file path=ppt/slides/slide24.xml><?xml version="1.0" encoding="utf-8"?>
+<file path=ppt/slides/slide25.xml><?xml version="1.0" encoding="utf-8"?>
 <p:sld xmlns:a="http://schemas.openxmlformats.org/drawingml/2006/main" xmlns:r="http://schemas.openxmlformats.org/officeDocument/2006/relationships" xmlns:p="http://schemas.openxmlformats.org/presentationml/2006/main">
   <p:cSld>
     <p:spTree>
@@ -11142,7 +11268,7 @@
         </p:nvSpPr>
         <p:spPr>
           <a:xfrm>
-            <a:off x="509925" y="1736903"/>
+            <a:off x="967125" y="1746631"/>
             <a:ext cx="8946541" cy="4805082"/>
           </a:xfrm>
         </p:spPr>
@@ -11183,190 +11309,6 @@
               <a:rPr lang="en-GB" dirty="0"/>
               <a:t> supports SFTP transfer as well (Slow)</a:t>
             </a:r>
-          </a:p>
-          <a:p>
-            <a:r>
-              <a:rPr lang="en-GB" dirty="0"/>
-              <a:t>Always add your private key first</a:t>
-            </a:r>
-          </a:p>
-          <a:p>
-            <a:pPr lvl="1"/>
-            <a:r>
-              <a:rPr lang="en-GB" dirty="0"/>
-              <a:t>Edit </a:t>
-            </a:r>
-            <a:r>
-              <a:rPr lang="en-GB" dirty="0">
-                <a:sym typeface="Wingdings" pitchFamily="2" charset="2"/>
-              </a:rPr>
-              <a:t> Setting  SFTP  Add Key file</a:t>
-            </a:r>
-          </a:p>
-          <a:p>
-            <a:pPr lvl="1"/>
-            <a:r>
-              <a:rPr lang="en-GB" dirty="0">
-                <a:sym typeface="Wingdings" pitchFamily="2" charset="2"/>
-              </a:rPr>
-              <a:t>Select your </a:t>
-            </a:r>
-            <a:r>
-              <a:rPr lang="en-GB" dirty="0" err="1">
-                <a:sym typeface="Wingdings" pitchFamily="2" charset="2"/>
-              </a:rPr>
-              <a:t>id_rsa</a:t>
-            </a:r>
-            <a:r>
-              <a:rPr lang="en-GB" dirty="0">
-                <a:sym typeface="Wingdings" pitchFamily="2" charset="2"/>
-              </a:rPr>
-              <a:t> (not </a:t>
-            </a:r>
-            <a:r>
-              <a:rPr lang="en-GB" dirty="0" err="1">
-                <a:sym typeface="Wingdings" pitchFamily="2" charset="2"/>
-              </a:rPr>
-              <a:t>id_rsa.pub</a:t>
-            </a:r>
-            <a:r>
-              <a:rPr lang="en-GB" dirty="0">
-                <a:sym typeface="Wingdings" pitchFamily="2" charset="2"/>
-              </a:rPr>
-              <a:t>)</a:t>
-            </a:r>
-          </a:p>
-          <a:p>
-            <a:pPr lvl="1"/>
-            <a:r>
-              <a:rPr lang="en-GB" dirty="0">
-                <a:sym typeface="Wingdings" pitchFamily="2" charset="2"/>
-              </a:rPr>
-              <a:t>Reminder:</a:t>
-            </a:r>
-          </a:p>
-          <a:p>
-            <a:pPr lvl="2"/>
-            <a:r>
-              <a:rPr lang="en-GB" dirty="0"/>
-              <a:t>C:\Users\</a:t>
-            </a:r>
-            <a:r>
-              <a:rPr lang="en-GB" dirty="0" err="1"/>
-              <a:t>your_username</a:t>
-            </a:r>
-            <a:r>
-              <a:rPr lang="en-GB" dirty="0"/>
-              <a:t>\.</a:t>
-            </a:r>
-            <a:r>
-              <a:rPr lang="en-GB" dirty="0" err="1"/>
-              <a:t>ssh</a:t>
-            </a:r>
-            <a:r>
-              <a:rPr lang="en-GB" dirty="0"/>
-              <a:t>\</a:t>
-            </a:r>
-            <a:r>
-              <a:rPr lang="en-GB" dirty="0" err="1"/>
-              <a:t>id_rsa</a:t>
-            </a:r>
-            <a:r>
-              <a:rPr lang="en-GB" dirty="0"/>
-              <a:t> (Windows)</a:t>
-            </a:r>
-          </a:p>
-          <a:p>
-            <a:pPr lvl="2"/>
-            <a:r>
-              <a:rPr lang="en-GB" dirty="0"/>
-              <a:t>/Users/</a:t>
-            </a:r>
-            <a:r>
-              <a:rPr lang="en-GB" dirty="0" err="1"/>
-              <a:t>your_username</a:t>
-            </a:r>
-            <a:r>
-              <a:rPr lang="en-GB" dirty="0"/>
-              <a:t>/.</a:t>
-            </a:r>
-            <a:r>
-              <a:rPr lang="en-GB" dirty="0" err="1"/>
-              <a:t>ssh</a:t>
-            </a:r>
-            <a:r>
-              <a:rPr lang="en-GB" dirty="0"/>
-              <a:t>/</a:t>
-            </a:r>
-            <a:r>
-              <a:rPr lang="en-GB" dirty="0" err="1"/>
-              <a:t>id_rsa</a:t>
-            </a:r>
-            <a:r>
-              <a:rPr lang="en-GB" dirty="0"/>
-              <a:t> (MacOS)</a:t>
-            </a:r>
-          </a:p>
-          <a:p>
-            <a:pPr lvl="3"/>
-            <a:r>
-              <a:rPr lang="en-GB" dirty="0"/>
-              <a:t>You can also open terminal, then copy the </a:t>
-            </a:r>
-            <a:r>
-              <a:rPr lang="en-GB" dirty="0" err="1"/>
-              <a:t>id_rsa</a:t>
-            </a:r>
-            <a:r>
-              <a:rPr lang="en-GB" dirty="0"/>
-              <a:t> to desktop</a:t>
-            </a:r>
-          </a:p>
-          <a:p>
-            <a:pPr marL="1371600" lvl="3" indent="0">
-              <a:buNone/>
-            </a:pPr>
-            <a:r>
-              <a:rPr lang="en-GB" i="1" dirty="0"/>
-              <a:t>	cp ~/.</a:t>
-            </a:r>
-            <a:r>
-              <a:rPr lang="en-GB" i="1" dirty="0" err="1"/>
-              <a:t>ssh</a:t>
-            </a:r>
-            <a:r>
-              <a:rPr lang="en-GB" i="1" dirty="0"/>
-              <a:t>/</a:t>
-            </a:r>
-            <a:r>
-              <a:rPr lang="en-GB" i="1" dirty="0" err="1"/>
-              <a:t>id_rsa</a:t>
-            </a:r>
-            <a:r>
-              <a:rPr lang="en-GB" i="1" dirty="0"/>
-              <a:t> ~/Desktop/</a:t>
-            </a:r>
-          </a:p>
-          <a:p>
-            <a:pPr marL="1371600" lvl="3" indent="0">
-              <a:buNone/>
-            </a:pPr>
-            <a:r>
-              <a:rPr lang="en-GB" dirty="0"/>
-              <a:t>	Then Load it to </a:t>
-            </a:r>
-            <a:r>
-              <a:rPr lang="en-GB" dirty="0" err="1"/>
-              <a:t>filezilla</a:t>
-            </a:r>
-            <a:r>
-              <a:rPr lang="en-GB" dirty="0"/>
-              <a:t> from desktop</a:t>
-            </a:r>
-          </a:p>
-          <a:p>
-            <a:pPr lvl="1"/>
-            <a:endParaRPr lang="en-GB" dirty="0"/>
           </a:p>
           <a:p>
             <a:endParaRPr lang="en-GB" dirty="0"/>
@@ -11408,8 +11350,8 @@
         </p:blipFill>
         <p:spPr bwMode="auto">
           <a:xfrm>
-            <a:off x="7655863" y="1152983"/>
-            <a:ext cx="2949217" cy="2547105"/>
+            <a:off x="7402944" y="3147161"/>
+            <a:ext cx="4153516" cy="3587203"/>
           </a:xfrm>
           <a:prstGeom prst="rect">
             <a:avLst/>
@@ -11424,36 +11366,6 @@
               </a14:hiddenFill>
             </a:ext>
           </a:extLst>
-        </p:spPr>
-      </p:pic>
-      <p:pic>
-        <p:nvPicPr>
-          <p:cNvPr id="4" name="Picture 3">
-            <a:extLst>
-              <a:ext uri="{FF2B5EF4-FFF2-40B4-BE49-F238E27FC236}">
-                <a16:creationId xmlns:a16="http://schemas.microsoft.com/office/drawing/2014/main" id="{4F5280AA-14A4-5C47-96DD-6821B7E9BBB2}"/>
-              </a:ext>
-            </a:extLst>
-          </p:cNvPr>
-          <p:cNvPicPr>
-            <a:picLocks noChangeAspect="1"/>
-          </p:cNvPicPr>
-          <p:nvPr/>
-        </p:nvPicPr>
-        <p:blipFill>
-          <a:blip r:embed="rId3"/>
-          <a:stretch>
-            <a:fillRect/>
-          </a:stretch>
-        </p:blipFill>
-        <p:spPr>
-          <a:xfrm>
-            <a:off x="7986407" y="4139444"/>
-            <a:ext cx="3847965" cy="2547105"/>
-          </a:xfrm>
-          <a:prstGeom prst="rect">
-            <a:avLst/>
-          </a:prstGeom>
         </p:spPr>
       </p:pic>
     </p:spTree>
@@ -11646,6 +11558,370 @@
 </file>
 
 <file path=ppt/slides/slide8.xml><?xml version="1.0" encoding="utf-8"?>
+<p:sld xmlns:a="http://schemas.openxmlformats.org/drawingml/2006/main" xmlns:r="http://schemas.openxmlformats.org/officeDocument/2006/relationships" xmlns:p="http://schemas.openxmlformats.org/presentationml/2006/main">
+  <p:cSld>
+    <p:spTree>
+      <p:nvGrpSpPr>
+        <p:cNvPr id="1" name=""/>
+        <p:cNvGrpSpPr/>
+        <p:nvPr/>
+      </p:nvGrpSpPr>
+      <p:grpSpPr>
+        <a:xfrm>
+          <a:off x="0" y="0"/>
+          <a:ext cx="0" cy="0"/>
+          <a:chOff x="0" y="0"/>
+          <a:chExt cx="0" cy="0"/>
+        </a:xfrm>
+      </p:grpSpPr>
+      <p:sp>
+        <p:nvSpPr>
+          <p:cNvPr id="2" name="Title 1">
+            <a:extLst>
+              <a:ext uri="{FF2B5EF4-FFF2-40B4-BE49-F238E27FC236}">
+                <a16:creationId xmlns:a16="http://schemas.microsoft.com/office/drawing/2014/main" id="{7146E5A1-FC95-024D-8DBA-79221BE17BEA}"/>
+              </a:ext>
+            </a:extLst>
+          </p:cNvPr>
+          <p:cNvSpPr>
+            <a:spLocks noGrp="1"/>
+          </p:cNvSpPr>
+          <p:nvPr>
+            <p:ph type="title"/>
+          </p:nvPr>
+        </p:nvSpPr>
+        <p:spPr/>
+        <p:txBody>
+          <a:bodyPr/>
+          <a:lstStyle/>
+          <a:p>
+            <a:r>
+              <a:rPr lang="en-GB" dirty="0"/>
+              <a:t>Transferring Data To Rosalind</a:t>
+            </a:r>
+          </a:p>
+        </p:txBody>
+      </p:sp>
+      <p:sp>
+        <p:nvSpPr>
+          <p:cNvPr id="3" name="Content Placeholder 2">
+            <a:extLst>
+              <a:ext uri="{FF2B5EF4-FFF2-40B4-BE49-F238E27FC236}">
+                <a16:creationId xmlns:a16="http://schemas.microsoft.com/office/drawing/2014/main" id="{6C75AC20-6191-6740-9652-6F77F452200E}"/>
+              </a:ext>
+            </a:extLst>
+          </p:cNvPr>
+          <p:cNvSpPr>
+            <a:spLocks noGrp="1"/>
+          </p:cNvSpPr>
+          <p:nvPr>
+            <p:ph idx="1"/>
+          </p:nvPr>
+        </p:nvSpPr>
+        <p:spPr>
+          <a:xfrm>
+            <a:off x="509925" y="1736903"/>
+            <a:ext cx="8946541" cy="4805082"/>
+          </a:xfrm>
+        </p:spPr>
+        <p:txBody>
+          <a:bodyPr>
+            <a:normAutofit/>
+          </a:bodyPr>
+          <a:lstStyle/>
+          <a:p>
+            <a:r>
+              <a:rPr lang="en-GB" dirty="0"/>
+              <a:t>Always add your private key first (Once)</a:t>
+            </a:r>
+          </a:p>
+          <a:p>
+            <a:pPr lvl="1"/>
+            <a:r>
+              <a:rPr lang="en-GB" dirty="0"/>
+              <a:t>Edit </a:t>
+            </a:r>
+            <a:r>
+              <a:rPr lang="en-GB" dirty="0">
+                <a:sym typeface="Wingdings" pitchFamily="2" charset="2"/>
+              </a:rPr>
+              <a:t> Setting  SFTP  Add Key file</a:t>
+            </a:r>
+          </a:p>
+          <a:p>
+            <a:pPr lvl="1"/>
+            <a:r>
+              <a:rPr lang="en-GB" dirty="0">
+                <a:sym typeface="Wingdings" pitchFamily="2" charset="2"/>
+              </a:rPr>
+              <a:t>Select your </a:t>
+            </a:r>
+            <a:r>
+              <a:rPr lang="en-GB" dirty="0" err="1">
+                <a:sym typeface="Wingdings" pitchFamily="2" charset="2"/>
+              </a:rPr>
+              <a:t>id_rsa</a:t>
+            </a:r>
+            <a:r>
+              <a:rPr lang="en-GB" dirty="0">
+                <a:sym typeface="Wingdings" pitchFamily="2" charset="2"/>
+              </a:rPr>
+              <a:t> (not </a:t>
+            </a:r>
+            <a:r>
+              <a:rPr lang="en-GB" dirty="0" err="1">
+                <a:sym typeface="Wingdings" pitchFamily="2" charset="2"/>
+              </a:rPr>
+              <a:t>id_rsa.pub</a:t>
+            </a:r>
+            <a:r>
+              <a:rPr lang="en-GB" dirty="0">
+                <a:sym typeface="Wingdings" pitchFamily="2" charset="2"/>
+              </a:rPr>
+              <a:t>)</a:t>
+            </a:r>
+          </a:p>
+          <a:p>
+            <a:pPr lvl="1"/>
+            <a:r>
+              <a:rPr lang="en-GB" dirty="0">
+                <a:sym typeface="Wingdings" pitchFamily="2" charset="2"/>
+              </a:rPr>
+              <a:t>Reminder:</a:t>
+            </a:r>
+          </a:p>
+          <a:p>
+            <a:pPr lvl="2"/>
+            <a:r>
+              <a:rPr lang="en-GB" dirty="0"/>
+              <a:t>C:\Users\</a:t>
+            </a:r>
+            <a:r>
+              <a:rPr lang="en-GB" dirty="0" err="1"/>
+              <a:t>your_username</a:t>
+            </a:r>
+            <a:r>
+              <a:rPr lang="en-GB" dirty="0"/>
+              <a:t>\.</a:t>
+            </a:r>
+            <a:r>
+              <a:rPr lang="en-GB" dirty="0" err="1"/>
+              <a:t>ssh</a:t>
+            </a:r>
+            <a:r>
+              <a:rPr lang="en-GB" dirty="0"/>
+              <a:t>\</a:t>
+            </a:r>
+            <a:r>
+              <a:rPr lang="en-GB" dirty="0" err="1"/>
+              <a:t>id_rsa</a:t>
+            </a:r>
+            <a:r>
+              <a:rPr lang="en-GB" dirty="0"/>
+              <a:t> (Windows)</a:t>
+            </a:r>
+          </a:p>
+          <a:p>
+            <a:pPr lvl="2"/>
+            <a:r>
+              <a:rPr lang="en-GB" dirty="0"/>
+              <a:t>/Users/</a:t>
+            </a:r>
+            <a:r>
+              <a:rPr lang="en-GB" dirty="0" err="1"/>
+              <a:t>your_username</a:t>
+            </a:r>
+            <a:r>
+              <a:rPr lang="en-GB" dirty="0"/>
+              <a:t>/.</a:t>
+            </a:r>
+            <a:r>
+              <a:rPr lang="en-GB" dirty="0" err="1"/>
+              <a:t>ssh</a:t>
+            </a:r>
+            <a:r>
+              <a:rPr lang="en-GB" dirty="0"/>
+              <a:t>/</a:t>
+            </a:r>
+            <a:r>
+              <a:rPr lang="en-GB" dirty="0" err="1"/>
+              <a:t>id_rsa</a:t>
+            </a:r>
+            <a:r>
+              <a:rPr lang="en-GB" dirty="0"/>
+              <a:t> (MacOS)</a:t>
+            </a:r>
+          </a:p>
+          <a:p>
+            <a:pPr lvl="3"/>
+            <a:r>
+              <a:rPr lang="en-GB" dirty="0"/>
+              <a:t>You can also open terminal, then copy the </a:t>
+            </a:r>
+            <a:r>
+              <a:rPr lang="en-GB" dirty="0" err="1"/>
+              <a:t>id_rsa</a:t>
+            </a:r>
+            <a:r>
+              <a:rPr lang="en-GB" dirty="0"/>
+              <a:t> to desktop</a:t>
+            </a:r>
+          </a:p>
+          <a:p>
+            <a:pPr marL="1371600" lvl="3" indent="0">
+              <a:buNone/>
+            </a:pPr>
+            <a:r>
+              <a:rPr lang="en-GB" i="1" dirty="0"/>
+              <a:t>	cp ~/.</a:t>
+            </a:r>
+            <a:r>
+              <a:rPr lang="en-GB" i="1" dirty="0" err="1"/>
+              <a:t>ssh</a:t>
+            </a:r>
+            <a:r>
+              <a:rPr lang="en-GB" i="1" dirty="0"/>
+              <a:t>/</a:t>
+            </a:r>
+            <a:r>
+              <a:rPr lang="en-GB" i="1" dirty="0" err="1"/>
+              <a:t>id_rsa</a:t>
+            </a:r>
+            <a:r>
+              <a:rPr lang="en-GB" i="1" dirty="0"/>
+              <a:t> ~/Desktop/</a:t>
+            </a:r>
+          </a:p>
+          <a:p>
+            <a:pPr marL="1371600" lvl="3" indent="0">
+              <a:buNone/>
+            </a:pPr>
+            <a:r>
+              <a:rPr lang="en-GB" dirty="0"/>
+              <a:t>	Then Load it to </a:t>
+            </a:r>
+            <a:r>
+              <a:rPr lang="en-GB" dirty="0" err="1"/>
+              <a:t>filezilla</a:t>
+            </a:r>
+            <a:r>
+              <a:rPr lang="en-GB" dirty="0"/>
+              <a:t> from desktop</a:t>
+            </a:r>
+          </a:p>
+          <a:p>
+            <a:pPr marL="457200"/>
+            <a:r>
+              <a:rPr lang="en-GB" dirty="0"/>
+              <a:t>After that, add Rosalind into the Site Manager</a:t>
+            </a:r>
+          </a:p>
+          <a:p>
+            <a:pPr marL="857250" lvl="1"/>
+            <a:r>
+              <a:rPr lang="en-GB" dirty="0"/>
+              <a:t>File </a:t>
+            </a:r>
+            <a:r>
+              <a:rPr lang="en-GB" dirty="0">
+                <a:sym typeface="Wingdings" pitchFamily="2" charset="2"/>
+              </a:rPr>
+              <a:t> Site Manager (or the top left corner icon)</a:t>
+            </a:r>
+            <a:endParaRPr lang="en-GB" dirty="0"/>
+          </a:p>
+          <a:p>
+            <a:pPr marL="457200"/>
+            <a:endParaRPr lang="en-GB" dirty="0"/>
+          </a:p>
+          <a:p>
+            <a:pPr lvl="1"/>
+            <a:endParaRPr lang="en-GB" dirty="0"/>
+          </a:p>
+          <a:p>
+            <a:endParaRPr lang="en-GB" dirty="0"/>
+          </a:p>
+          <a:p>
+            <a:endParaRPr lang="en-GB" dirty="0"/>
+          </a:p>
+          <a:p>
+            <a:endParaRPr lang="en-GB" dirty="0"/>
+          </a:p>
+        </p:txBody>
+      </p:sp>
+      <p:pic>
+        <p:nvPicPr>
+          <p:cNvPr id="4" name="Picture 3">
+            <a:extLst>
+              <a:ext uri="{FF2B5EF4-FFF2-40B4-BE49-F238E27FC236}">
+                <a16:creationId xmlns:a16="http://schemas.microsoft.com/office/drawing/2014/main" id="{4F5280AA-14A4-5C47-96DD-6821B7E9BBB2}"/>
+              </a:ext>
+            </a:extLst>
+          </p:cNvPr>
+          <p:cNvPicPr>
+            <a:picLocks noChangeAspect="1"/>
+          </p:cNvPicPr>
+          <p:nvPr/>
+        </p:nvPicPr>
+        <p:blipFill>
+          <a:blip r:embed="rId2"/>
+          <a:stretch>
+            <a:fillRect/>
+          </a:stretch>
+        </p:blipFill>
+        <p:spPr>
+          <a:xfrm>
+            <a:off x="7532483" y="1339419"/>
+            <a:ext cx="3847965" cy="2547105"/>
+          </a:xfrm>
+          <a:prstGeom prst="rect">
+            <a:avLst/>
+          </a:prstGeom>
+        </p:spPr>
+      </p:pic>
+      <p:pic>
+        <p:nvPicPr>
+          <p:cNvPr id="5" name="Picture 4">
+            <a:extLst>
+              <a:ext uri="{FF2B5EF4-FFF2-40B4-BE49-F238E27FC236}">
+                <a16:creationId xmlns:a16="http://schemas.microsoft.com/office/drawing/2014/main" id="{EC500198-3288-6845-8C0A-1115218CE665}"/>
+              </a:ext>
+            </a:extLst>
+          </p:cNvPr>
+          <p:cNvPicPr>
+            <a:picLocks noChangeAspect="1"/>
+          </p:cNvPicPr>
+          <p:nvPr/>
+        </p:nvPicPr>
+        <p:blipFill rotWithShape="1">
+          <a:blip r:embed="rId3"/>
+          <a:srcRect b="48634"/>
+          <a:stretch/>
+        </p:blipFill>
+        <p:spPr>
+          <a:xfrm>
+            <a:off x="7676911" y="4284008"/>
+            <a:ext cx="3559107" cy="2020829"/>
+          </a:xfrm>
+          <a:prstGeom prst="rect">
+            <a:avLst/>
+          </a:prstGeom>
+        </p:spPr>
+      </p:pic>
+    </p:spTree>
+    <p:extLst>
+      <p:ext uri="{BB962C8B-B14F-4D97-AF65-F5344CB8AC3E}">
+        <p14:creationId xmlns:p14="http://schemas.microsoft.com/office/powerpoint/2010/main" val="1150051536"/>
+      </p:ext>
+    </p:extLst>
+  </p:cSld>
+  <p:clrMapOvr>
+    <a:masterClrMapping/>
+  </p:clrMapOvr>
+</p:sld>
+</file>
+
+<file path=ppt/slides/slide9.xml><?xml version="1.0" encoding="utf-8"?>
 <p:sld xmlns:a="http://schemas.openxmlformats.org/drawingml/2006/main" xmlns:r="http://schemas.openxmlformats.org/officeDocument/2006/relationships" xmlns:p="http://schemas.openxmlformats.org/presentationml/2006/main">
   <p:cSld>
     <p:spTree>
@@ -12448,131 +12724,6 @@
     <p:extLst>
       <p:ext uri="{BB962C8B-B14F-4D97-AF65-F5344CB8AC3E}">
         <p14:creationId xmlns:p14="http://schemas.microsoft.com/office/powerpoint/2010/main" val="3654354026"/>
-      </p:ext>
-    </p:extLst>
-  </p:cSld>
-  <p:clrMapOvr>
-    <a:masterClrMapping/>
-  </p:clrMapOvr>
-</p:sld>
-</file>
-
-<file path=ppt/slides/slide9.xml><?xml version="1.0" encoding="utf-8"?>
-<p:sld xmlns:a="http://schemas.openxmlformats.org/drawingml/2006/main" xmlns:r="http://schemas.openxmlformats.org/officeDocument/2006/relationships" xmlns:p="http://schemas.openxmlformats.org/presentationml/2006/main">
-  <p:cSld>
-    <p:spTree>
-      <p:nvGrpSpPr>
-        <p:cNvPr id="1" name=""/>
-        <p:cNvGrpSpPr/>
-        <p:nvPr/>
-      </p:nvGrpSpPr>
-      <p:grpSpPr>
-        <a:xfrm>
-          <a:off x="0" y="0"/>
-          <a:ext cx="0" cy="0"/>
-          <a:chOff x="0" y="0"/>
-          <a:chExt cx="0" cy="0"/>
-        </a:xfrm>
-      </p:grpSpPr>
-      <p:sp>
-        <p:nvSpPr>
-          <p:cNvPr id="2" name="Title 1">
-            <a:extLst>
-              <a:ext uri="{FF2B5EF4-FFF2-40B4-BE49-F238E27FC236}">
-                <a16:creationId xmlns:a16="http://schemas.microsoft.com/office/drawing/2014/main" id="{2257F1EF-16AE-46CD-A5A8-A8F12151BE5A}"/>
-              </a:ext>
-            </a:extLst>
-          </p:cNvPr>
-          <p:cNvSpPr>
-            <a:spLocks noGrp="1"/>
-          </p:cNvSpPr>
-          <p:nvPr>
-            <p:ph type="title"/>
-          </p:nvPr>
-        </p:nvSpPr>
-        <p:spPr/>
-        <p:txBody>
-          <a:bodyPr/>
-          <a:lstStyle/>
-          <a:p>
-            <a:r>
-              <a:rPr lang="en-US" dirty="0"/>
-              <a:t>Rosalind Documentation</a:t>
-            </a:r>
-          </a:p>
-        </p:txBody>
-      </p:sp>
-      <p:sp>
-        <p:nvSpPr>
-          <p:cNvPr id="3" name="Content Placeholder 2">
-            <a:extLst>
-              <a:ext uri="{FF2B5EF4-FFF2-40B4-BE49-F238E27FC236}">
-                <a16:creationId xmlns:a16="http://schemas.microsoft.com/office/drawing/2014/main" id="{5FC23E5E-7F77-4419-BC68-08585AB1226F}"/>
-              </a:ext>
-            </a:extLst>
-          </p:cNvPr>
-          <p:cNvSpPr>
-            <a:spLocks noGrp="1"/>
-          </p:cNvSpPr>
-          <p:nvPr>
-            <p:ph idx="1"/>
-          </p:nvPr>
-        </p:nvSpPr>
-        <p:spPr/>
-        <p:txBody>
-          <a:bodyPr>
-            <a:normAutofit/>
-          </a:bodyPr>
-          <a:lstStyle/>
-          <a:p>
-            <a:r>
-              <a:rPr lang="en-US" dirty="0">
-                <a:hlinkClick r:id="rId2"/>
-              </a:rPr>
-              <a:t>https://rosalind.kcl.ac.uk</a:t>
-            </a:r>
-            <a:r>
-              <a:rPr lang="en-US" dirty="0"/>
-              <a:t> </a:t>
-            </a:r>
-            <a:endParaRPr lang="en-US" sz="2000" dirty="0"/>
-          </a:p>
-        </p:txBody>
-      </p:sp>
-      <p:pic>
-        <p:nvPicPr>
-          <p:cNvPr id="5" name="Picture 4">
-            <a:extLst>
-              <a:ext uri="{FF2B5EF4-FFF2-40B4-BE49-F238E27FC236}">
-                <a16:creationId xmlns:a16="http://schemas.microsoft.com/office/drawing/2014/main" id="{E5F7F050-949B-E44B-948F-D1E1D6730C7A}"/>
-              </a:ext>
-            </a:extLst>
-          </p:cNvPr>
-          <p:cNvPicPr>
-            <a:picLocks noChangeAspect="1"/>
-          </p:cNvPicPr>
-          <p:nvPr/>
-        </p:nvPicPr>
-        <p:blipFill>
-          <a:blip r:embed="rId3"/>
-          <a:stretch>
-            <a:fillRect/>
-          </a:stretch>
-        </p:blipFill>
-        <p:spPr>
-          <a:xfrm>
-            <a:off x="4961105" y="2163093"/>
-            <a:ext cx="6801239" cy="4284976"/>
-          </a:xfrm>
-          <a:prstGeom prst="rect">
-            <a:avLst/>
-          </a:prstGeom>
-        </p:spPr>
-      </p:pic>
-    </p:spTree>
-    <p:extLst>
-      <p:ext uri="{BB962C8B-B14F-4D97-AF65-F5344CB8AC3E}">
-        <p14:creationId xmlns:p14="http://schemas.microsoft.com/office/powerpoint/2010/main" val="2376409175"/>
       </p:ext>
     </p:extLst>
   </p:cSld>

--- a/IntroToLinux_Day2.pptx
+++ b/IntroToLinux_Day2.pptx
@@ -9463,7 +9463,10 @@
           </a:p>
           <a:p>
             <a:pPr lvl="1"/>
-            <a:endParaRPr lang="en-US" dirty="0"/>
+            <a:r>
+              <a:rPr lang="en-US" dirty="0"/>
+              <a:t>quota -s</a:t>
+            </a:r>
           </a:p>
           <a:p>
             <a:pPr lvl="1"/>
